--- a/教學簡報/JavaScript - 2.pptx
+++ b/教學簡報/JavaScript - 2.pptx
@@ -5,7 +5,7 @@
     <p:sldMasterId id="2147484070" r:id="rId1"/>
   </p:sldMasterIdLst>
   <p:notesMasterIdLst>
-    <p:notesMasterId r:id="rId10"/>
+    <p:notesMasterId r:id="rId11"/>
   </p:notesMasterIdLst>
   <p:sldIdLst>
     <p:sldId id="259" r:id="rId2"/>
@@ -15,7 +15,8 @@
     <p:sldId id="303" r:id="rId6"/>
     <p:sldId id="304" r:id="rId7"/>
     <p:sldId id="305" r:id="rId8"/>
-    <p:sldId id="289" r:id="rId9"/>
+    <p:sldId id="354" r:id="rId9"/>
+    <p:sldId id="289" r:id="rId10"/>
   </p:sldIdLst>
   <p:sldSz cx="9144000" cy="6858000" type="screen4x3"/>
   <p:notesSz cx="6858000" cy="9144000"/>
@@ -130,6 +131,7 @@
             <p14:sldId id="303"/>
             <p14:sldId id="304"/>
             <p14:sldId id="305"/>
+            <p14:sldId id="354"/>
           </p14:sldIdLst>
         </p14:section>
         <p14:section name="課後宣導" id="{7625A371-1752-4C6F-AE8D-0559FB5870E1}">
@@ -244,7 +246,7 @@
             <a:fld id="{A5DCF4EA-E40D-43F8-B4CB-7F82BC812DB7}" type="datetimeFigureOut">
               <a:rPr lang="zh-TW" altLang="en-US" smtClean="0"/>
               <a:pPr/>
-              <a:t>2020/7/8</a:t>
+              <a:t>2020/7/11</a:t>
             </a:fld>
             <a:endParaRPr lang="zh-TW" altLang="en-US" dirty="0"/>
           </a:p>
@@ -1174,7 +1176,7 @@
           <a:bodyPr/>
           <a:lstStyle/>
           <a:p>
-            <a:endParaRPr lang="zh-TW" altLang="en-US"/>
+            <a:endParaRPr lang="zh-TW" altLang="en-US" dirty="0"/>
           </a:p>
         </p:txBody>
       </p:sp>
@@ -1196,6 +1198,90 @@
             <a:fld id="{288A6225-17E4-4F1A-9B1B-5D6F54C0EC31}" type="slidenum">
               <a:rPr lang="zh-TW" altLang="en-US" smtClean="0"/>
               <a:t>8</a:t>
+            </a:fld>
+            <a:endParaRPr lang="zh-TW" altLang="en-US"/>
+          </a:p>
+        </p:txBody>
+      </p:sp>
+    </p:spTree>
+    <p:extLst>
+      <p:ext uri="{BB962C8B-B14F-4D97-AF65-F5344CB8AC3E}">
+        <p14:creationId xmlns:p14="http://schemas.microsoft.com/office/powerpoint/2010/main" val="489773958"/>
+      </p:ext>
+    </p:extLst>
+  </p:cSld>
+  <p:clrMapOvr>
+    <a:masterClrMapping/>
+  </p:clrMapOvr>
+</p:notes>
+</file>
+
+<file path=ppt/notesSlides/notesSlide9.xml><?xml version="1.0" encoding="utf-8"?>
+<p:notes xmlns:a="http://schemas.openxmlformats.org/drawingml/2006/main" xmlns:r="http://schemas.openxmlformats.org/officeDocument/2006/relationships" xmlns:p="http://schemas.openxmlformats.org/presentationml/2006/main">
+  <p:cSld>
+    <p:spTree>
+      <p:nvGrpSpPr>
+        <p:cNvPr id="1" name=""/>
+        <p:cNvGrpSpPr/>
+        <p:nvPr/>
+      </p:nvGrpSpPr>
+      <p:grpSpPr>
+        <a:xfrm>
+          <a:off x="0" y="0"/>
+          <a:ext cx="0" cy="0"/>
+          <a:chOff x="0" y="0"/>
+          <a:chExt cx="0" cy="0"/>
+        </a:xfrm>
+      </p:grpSpPr>
+      <p:sp>
+        <p:nvSpPr>
+          <p:cNvPr id="2" name="投影片圖像版面配置區 1"/>
+          <p:cNvSpPr>
+            <a:spLocks noGrp="1" noRot="1" noChangeAspect="1"/>
+          </p:cNvSpPr>
+          <p:nvPr>
+            <p:ph type="sldImg"/>
+          </p:nvPr>
+        </p:nvSpPr>
+        <p:spPr/>
+      </p:sp>
+      <p:sp>
+        <p:nvSpPr>
+          <p:cNvPr id="3" name="備忘稿版面配置區 2"/>
+          <p:cNvSpPr>
+            <a:spLocks noGrp="1"/>
+          </p:cNvSpPr>
+          <p:nvPr>
+            <p:ph type="body" idx="1"/>
+          </p:nvPr>
+        </p:nvSpPr>
+        <p:spPr/>
+        <p:txBody>
+          <a:bodyPr/>
+          <a:lstStyle/>
+          <a:p>
+            <a:endParaRPr lang="zh-TW" altLang="en-US"/>
+          </a:p>
+        </p:txBody>
+      </p:sp>
+      <p:sp>
+        <p:nvSpPr>
+          <p:cNvPr id="4" name="投影片編號版面配置區 3"/>
+          <p:cNvSpPr>
+            <a:spLocks noGrp="1"/>
+          </p:cNvSpPr>
+          <p:nvPr>
+            <p:ph type="sldNum" sz="quarter" idx="10"/>
+          </p:nvPr>
+        </p:nvSpPr>
+        <p:spPr/>
+        <p:txBody>
+          <a:bodyPr/>
+          <a:lstStyle/>
+          <a:p>
+            <a:fld id="{288A6225-17E4-4F1A-9B1B-5D6F54C0EC31}" type="slidenum">
+              <a:rPr lang="zh-TW" altLang="en-US" smtClean="0"/>
+              <a:t>9</a:t>
             </a:fld>
             <a:endParaRPr lang="zh-TW" altLang="en-US"/>
           </a:p>
@@ -1345,7 +1431,7 @@
           <a:p>
             <a:fld id="{3D8CBC75-8284-403E-92F0-16B75D676E39}" type="datetimeFigureOut">
               <a:rPr lang="zh-TW" altLang="en-US" smtClean="0"/>
-              <a:t>2020/7/8</a:t>
+              <a:t>2020/7/11</a:t>
             </a:fld>
             <a:endParaRPr lang="zh-TW" altLang="en-US"/>
           </a:p>
@@ -1473,7 +1559,7 @@
           <a:p>
             <a:fld id="{3D8CBC75-8284-403E-92F0-16B75D676E39}" type="datetimeFigureOut">
               <a:rPr lang="zh-TW" altLang="en-US" smtClean="0"/>
-              <a:t>2020/7/8</a:t>
+              <a:t>2020/7/11</a:t>
             </a:fld>
             <a:endParaRPr lang="zh-TW" altLang="en-US"/>
           </a:p>
@@ -1816,7 +1902,7 @@
           <a:p>
             <a:fld id="{3D8CBC75-8284-403E-92F0-16B75D676E39}" type="datetimeFigureOut">
               <a:rPr lang="zh-TW" altLang="en-US" smtClean="0"/>
-              <a:t>2020/7/8</a:t>
+              <a:t>2020/7/11</a:t>
             </a:fld>
             <a:endParaRPr lang="zh-TW" altLang="en-US"/>
           </a:p>
@@ -2149,7 +2235,7 @@
           <a:p>
             <a:fld id="{3D8CBC75-8284-403E-92F0-16B75D676E39}" type="datetimeFigureOut">
               <a:rPr lang="zh-TW" altLang="en-US" smtClean="0"/>
-              <a:t>2020/7/8</a:t>
+              <a:t>2020/7/11</a:t>
             </a:fld>
             <a:endParaRPr lang="zh-TW" altLang="en-US"/>
           </a:p>
@@ -2518,7 +2604,7 @@
           <a:p>
             <a:fld id="{3D8CBC75-8284-403E-92F0-16B75D676E39}" type="datetimeFigureOut">
               <a:rPr lang="zh-TW" altLang="en-US" smtClean="0"/>
-              <a:t>2020/7/8</a:t>
+              <a:t>2020/7/11</a:t>
             </a:fld>
             <a:endParaRPr lang="zh-TW" altLang="en-US"/>
           </a:p>
@@ -2741,7 +2827,7 @@
           <a:p>
             <a:fld id="{3D8CBC75-8284-403E-92F0-16B75D676E39}" type="datetimeFigureOut">
               <a:rPr lang="zh-TW" altLang="en-US" smtClean="0"/>
-              <a:t>2020/7/8</a:t>
+              <a:t>2020/7/11</a:t>
             </a:fld>
             <a:endParaRPr lang="zh-TW" altLang="en-US"/>
           </a:p>
@@ -3271,7 +3357,7 @@
           <a:p>
             <a:fld id="{3D8CBC75-8284-403E-92F0-16B75D676E39}" type="datetimeFigureOut">
               <a:rPr lang="zh-TW" altLang="en-US" smtClean="0"/>
-              <a:t>2020/7/8</a:t>
+              <a:t>2020/7/11</a:t>
             </a:fld>
             <a:endParaRPr lang="zh-TW" altLang="en-US"/>
           </a:p>
@@ -3552,7 +3638,7 @@
           <a:p>
             <a:fld id="{3D8CBC75-8284-403E-92F0-16B75D676E39}" type="datetimeFigureOut">
               <a:rPr lang="zh-TW" altLang="en-US" smtClean="0"/>
-              <a:t>2020/7/8</a:t>
+              <a:t>2020/7/11</a:t>
             </a:fld>
             <a:endParaRPr lang="zh-TW" altLang="en-US"/>
           </a:p>
@@ -3739,7 +3825,7 @@
           <a:p>
             <a:fld id="{3D8CBC75-8284-403E-92F0-16B75D676E39}" type="datetimeFigureOut">
               <a:rPr lang="zh-TW" altLang="en-US" smtClean="0"/>
-              <a:t>2020/7/8</a:t>
+              <a:t>2020/7/11</a:t>
             </a:fld>
             <a:endParaRPr lang="zh-TW" altLang="en-US"/>
           </a:p>
@@ -4141,7 +4227,7 @@
           <a:p>
             <a:fld id="{3D8CBC75-8284-403E-92F0-16B75D676E39}" type="datetimeFigureOut">
               <a:rPr lang="zh-TW" altLang="en-US" smtClean="0"/>
-              <a:t>2020/7/8</a:t>
+              <a:t>2020/7/11</a:t>
             </a:fld>
             <a:endParaRPr lang="zh-TW" altLang="en-US"/>
           </a:p>
@@ -4561,7 +4647,7 @@
           <a:p>
             <a:fld id="{3D8CBC75-8284-403E-92F0-16B75D676E39}" type="datetimeFigureOut">
               <a:rPr lang="zh-TW" altLang="en-US" smtClean="0"/>
-              <a:t>2020/7/8</a:t>
+              <a:t>2020/7/11</a:t>
             </a:fld>
             <a:endParaRPr lang="zh-TW" altLang="en-US"/>
           </a:p>
@@ -4948,7 +5034,7 @@
             <a:fld id="{3D8CBC75-8284-403E-92F0-16B75D676E39}" type="datetimeFigureOut">
               <a:rPr lang="zh-TW" altLang="en-US" smtClean="0"/>
               <a:pPr/>
-              <a:t>2020/7/8</a:t>
+              <a:t>2020/7/11</a:t>
             </a:fld>
             <a:endParaRPr lang="zh-TW" altLang="en-US" dirty="0"/>
           </a:p>
@@ -7985,6 +8071,263 @@
 </file>
 
 <file path=ppt/slides/slide8.xml><?xml version="1.0" encoding="utf-8"?>
+<p:sld xmlns:a="http://schemas.openxmlformats.org/drawingml/2006/main" xmlns:r="http://schemas.openxmlformats.org/officeDocument/2006/relationships" xmlns:p="http://schemas.openxmlformats.org/presentationml/2006/main">
+  <p:cSld>
+    <p:spTree>
+      <p:nvGrpSpPr>
+        <p:cNvPr id="1" name=""/>
+        <p:cNvGrpSpPr/>
+        <p:nvPr/>
+      </p:nvGrpSpPr>
+      <p:grpSpPr>
+        <a:xfrm>
+          <a:off x="0" y="0"/>
+          <a:ext cx="0" cy="0"/>
+          <a:chOff x="0" y="0"/>
+          <a:chExt cx="0" cy="0"/>
+        </a:xfrm>
+      </p:grpSpPr>
+      <p:sp>
+        <p:nvSpPr>
+          <p:cNvPr id="2" name="標題 1"/>
+          <p:cNvSpPr>
+            <a:spLocks noGrp="1"/>
+          </p:cNvSpPr>
+          <p:nvPr>
+            <p:ph type="title"/>
+          </p:nvPr>
+        </p:nvSpPr>
+        <p:spPr>
+          <a:xfrm>
+            <a:off x="0" y="1"/>
+            <a:ext cx="9144000" cy="836712"/>
+          </a:xfrm>
+        </p:spPr>
+        <p:txBody>
+          <a:bodyPr anchor="b">
+            <a:normAutofit/>
+          </a:bodyPr>
+          <a:lstStyle/>
+          <a:p>
+            <a:pPr algn="ctr"/>
+            <a:r>
+              <a:rPr lang="zh-TW" altLang="en-US" sz="4000" dirty="0">
+                <a:solidFill>
+                  <a:srgbClr val="0070C0"/>
+                </a:solidFill>
+                <a:latin typeface="微軟正黑體" panose="020B0604030504040204" pitchFamily="34" charset="-120"/>
+                <a:ea typeface="微軟正黑體" panose="020B0604030504040204" pitchFamily="34" charset="-120"/>
+              </a:rPr>
+              <a:t>回家作業</a:t>
+            </a:r>
+          </a:p>
+        </p:txBody>
+      </p:sp>
+      <p:sp>
+        <p:nvSpPr>
+          <p:cNvPr id="3" name="內容版面配置區 2"/>
+          <p:cNvSpPr>
+            <a:spLocks noGrp="1"/>
+          </p:cNvSpPr>
+          <p:nvPr>
+            <p:ph idx="1"/>
+          </p:nvPr>
+        </p:nvSpPr>
+        <p:spPr>
+          <a:xfrm>
+            <a:off x="628650" y="1196752"/>
+            <a:ext cx="7886700" cy="4351338"/>
+          </a:xfrm>
+        </p:spPr>
+        <p:txBody>
+          <a:bodyPr/>
+          <a:lstStyle/>
+          <a:p>
+            <a:r>
+              <a:rPr lang="zh-TW" altLang="en-US" dirty="0"/>
+              <a:t>目標：寫出一個</a:t>
+            </a:r>
+            <a:r>
+              <a:rPr lang="en-US" altLang="zh-TW" dirty="0"/>
+              <a:t>To-Do List</a:t>
+            </a:r>
+            <a:r>
+              <a:rPr lang="zh-TW" altLang="en-US" dirty="0"/>
+              <a:t>。</a:t>
+            </a:r>
+            <a:endParaRPr lang="en-US" altLang="zh-TW" dirty="0"/>
+          </a:p>
+          <a:p>
+            <a:r>
+              <a:rPr lang="zh-TW" altLang="en-US" dirty="0"/>
+              <a:t>所需標籤：</a:t>
+            </a:r>
+            <a:r>
+              <a:rPr lang="en-US" altLang="zh-TW" dirty="0">
+                <a:latin typeface="Consolas" panose="020B0609020204030204" pitchFamily="49" charset="0"/>
+              </a:rPr>
+              <a:t>&lt;div&gt;</a:t>
+            </a:r>
+            <a:r>
+              <a:rPr lang="zh-TW" altLang="en-US" dirty="0">
+                <a:latin typeface="Consolas" panose="020B0609020204030204" pitchFamily="49" charset="0"/>
+              </a:rPr>
+              <a:t>、</a:t>
+            </a:r>
+            <a:r>
+              <a:rPr lang="en-US" altLang="zh-TW" dirty="0">
+                <a:latin typeface="Consolas" panose="020B0609020204030204" pitchFamily="49" charset="0"/>
+              </a:rPr>
+              <a:t>&lt;input&gt;</a:t>
+            </a:r>
+            <a:r>
+              <a:rPr lang="zh-TW" altLang="en-US" dirty="0">
+                <a:latin typeface="Consolas" panose="020B0609020204030204" pitchFamily="49" charset="0"/>
+              </a:rPr>
+              <a:t>、</a:t>
+            </a:r>
+            <a:r>
+              <a:rPr lang="en-US" altLang="zh-TW" dirty="0">
+                <a:latin typeface="Consolas" panose="020B0609020204030204" pitchFamily="49" charset="0"/>
+              </a:rPr>
+              <a:t>&lt;button&gt;</a:t>
+            </a:r>
+            <a:r>
+              <a:rPr lang="zh-TW" altLang="en-US" dirty="0">
+                <a:latin typeface="Consolas" panose="020B0609020204030204" pitchFamily="49" charset="0"/>
+              </a:rPr>
+              <a:t>、</a:t>
+            </a:r>
+            <a:r>
+              <a:rPr lang="en-US" altLang="zh-TW" dirty="0">
+                <a:latin typeface="Consolas" panose="020B0609020204030204" pitchFamily="49" charset="0"/>
+              </a:rPr>
+              <a:t>&lt;style&gt;</a:t>
+            </a:r>
+          </a:p>
+          <a:p>
+            <a:r>
+              <a:rPr lang="zh-TW" altLang="en-US" dirty="0"/>
+              <a:t>所需標籤屬性：</a:t>
+            </a:r>
+            <a:r>
+              <a:rPr lang="en-US" altLang="zh-TW" dirty="0">
+                <a:latin typeface="Consolas" panose="020B0609020204030204" pitchFamily="49" charset="0"/>
+              </a:rPr>
+              <a:t>class</a:t>
+            </a:r>
+          </a:p>
+          <a:p>
+            <a:r>
+              <a:rPr lang="zh-TW" altLang="en-US" dirty="0">
+                <a:latin typeface="Consolas" panose="020B0609020204030204" pitchFamily="49" charset="0"/>
+              </a:rPr>
+              <a:t>所需</a:t>
+            </a:r>
+            <a:r>
+              <a:rPr lang="en-US" altLang="zh-TW" dirty="0">
+                <a:latin typeface="Consolas" panose="020B0609020204030204" pitchFamily="49" charset="0"/>
+              </a:rPr>
+              <a:t>JS</a:t>
+            </a:r>
+            <a:r>
+              <a:rPr lang="zh-TW" altLang="en-US" dirty="0">
+                <a:latin typeface="Consolas" panose="020B0609020204030204" pitchFamily="49" charset="0"/>
+              </a:rPr>
+              <a:t>語法：</a:t>
+            </a:r>
+            <a:r>
+              <a:rPr lang="en-US" altLang="zh-TW" dirty="0" err="1">
+                <a:latin typeface="Consolas" panose="020B0609020204030204" pitchFamily="49" charset="0"/>
+              </a:rPr>
+              <a:t>document.getElementById</a:t>
+            </a:r>
+            <a:r>
+              <a:rPr lang="en-US" altLang="zh-TW" dirty="0">
+                <a:latin typeface="Consolas" panose="020B0609020204030204" pitchFamily="49" charset="0"/>
+              </a:rPr>
+              <a:t>()</a:t>
+            </a:r>
+            <a:r>
+              <a:rPr lang="zh-TW" altLang="en-US" dirty="0">
+                <a:latin typeface="Consolas" panose="020B0609020204030204" pitchFamily="49" charset="0"/>
+              </a:rPr>
+              <a:t>、</a:t>
+            </a:r>
+            <a:r>
+              <a:rPr lang="en-US" altLang="zh-TW" dirty="0">
+                <a:latin typeface="Consolas" panose="020B0609020204030204" pitchFamily="49" charset="0"/>
+              </a:rPr>
+              <a:t>onclick</a:t>
+            </a:r>
+            <a:r>
+              <a:rPr lang="zh-TW" altLang="en-US" dirty="0">
+                <a:latin typeface="Consolas" panose="020B0609020204030204" pitchFamily="49" charset="0"/>
+              </a:rPr>
+              <a:t>、</a:t>
+            </a:r>
+            <a:r>
+              <a:rPr lang="en-US" altLang="zh-TW" dirty="0">
+                <a:latin typeface="Consolas" panose="020B0609020204030204" pitchFamily="49" charset="0"/>
+              </a:rPr>
+              <a:t> </a:t>
+            </a:r>
+            <a:r>
+              <a:rPr lang="en-US" altLang="zh-TW" dirty="0" err="1">
+                <a:latin typeface="Consolas" panose="020B0609020204030204" pitchFamily="49" charset="0"/>
+              </a:rPr>
+              <a:t>document.createElement</a:t>
+            </a:r>
+            <a:r>
+              <a:rPr lang="en-US" altLang="zh-TW" dirty="0">
+                <a:latin typeface="Consolas" panose="020B0609020204030204" pitchFamily="49" charset="0"/>
+              </a:rPr>
+              <a:t>()</a:t>
+            </a:r>
+            <a:r>
+              <a:rPr lang="zh-TW" altLang="en-US" dirty="0">
+                <a:latin typeface="Consolas" panose="020B0609020204030204" pitchFamily="49" charset="0"/>
+              </a:rPr>
+              <a:t>、</a:t>
+            </a:r>
+            <a:r>
+              <a:rPr lang="en-US" altLang="zh-TW" dirty="0" err="1">
+                <a:latin typeface="Consolas" panose="020B0609020204030204" pitchFamily="49" charset="0"/>
+              </a:rPr>
+              <a:t>innerHTML</a:t>
+            </a:r>
+            <a:r>
+              <a:rPr lang="zh-TW" altLang="en-US" dirty="0">
+                <a:latin typeface="Consolas" panose="020B0609020204030204" pitchFamily="49" charset="0"/>
+              </a:rPr>
+              <a:t>、</a:t>
+            </a:r>
+            <a:r>
+              <a:rPr lang="en-US" altLang="zh-TW" dirty="0" err="1">
+                <a:latin typeface="Consolas" panose="020B0609020204030204" pitchFamily="49" charset="0"/>
+              </a:rPr>
+              <a:t>appendChild</a:t>
+            </a:r>
+            <a:endParaRPr lang="en-US" altLang="zh-TW" dirty="0">
+              <a:latin typeface="Consolas" panose="020B0609020204030204" pitchFamily="49" charset="0"/>
+            </a:endParaRPr>
+          </a:p>
+        </p:txBody>
+      </p:sp>
+    </p:spTree>
+    <p:extLst>
+      <p:ext uri="{BB962C8B-B14F-4D97-AF65-F5344CB8AC3E}">
+        <p14:creationId xmlns:p14="http://schemas.microsoft.com/office/powerpoint/2010/main" val="1853652732"/>
+      </p:ext>
+    </p:extLst>
+  </p:cSld>
+  <p:clrMapOvr>
+    <a:masterClrMapping/>
+  </p:clrMapOvr>
+</p:sld>
+</file>
+
+<file path=ppt/slides/slide9.xml><?xml version="1.0" encoding="utf-8"?>
 <p:sld xmlns:a="http://schemas.openxmlformats.org/drawingml/2006/main" xmlns:r="http://schemas.openxmlformats.org/officeDocument/2006/relationships" xmlns:p="http://schemas.openxmlformats.org/presentationml/2006/main">
   <p:cSld>
     <p:spTree>

--- a/教學簡報/JavaScript - 2.pptx
+++ b/教學簡報/JavaScript - 2.pptx
@@ -15,7 +15,7 @@
     <p:sldId id="303" r:id="rId6"/>
     <p:sldId id="304" r:id="rId7"/>
     <p:sldId id="305" r:id="rId8"/>
-    <p:sldId id="354" r:id="rId9"/>
+    <p:sldId id="355" r:id="rId9"/>
     <p:sldId id="289" r:id="rId10"/>
   </p:sldIdLst>
   <p:sldSz cx="9144000" cy="6858000" type="screen4x3"/>
@@ -131,7 +131,7 @@
             <p14:sldId id="303"/>
             <p14:sldId id="304"/>
             <p14:sldId id="305"/>
-            <p14:sldId id="354"/>
+            <p14:sldId id="355"/>
           </p14:sldIdLst>
         </p14:section>
         <p14:section name="課後宣導" id="{7625A371-1752-4C6F-AE8D-0559FB5870E1}">
@@ -246,7 +246,7 @@
             <a:fld id="{A5DCF4EA-E40D-43F8-B4CB-7F82BC812DB7}" type="datetimeFigureOut">
               <a:rPr lang="zh-TW" altLang="en-US" smtClean="0"/>
               <a:pPr/>
-              <a:t>2020/7/11</a:t>
+              <a:t>2020/7/14</a:t>
             </a:fld>
             <a:endParaRPr lang="zh-TW" altLang="en-US" dirty="0"/>
           </a:p>
@@ -1206,7 +1206,7 @@
     </p:spTree>
     <p:extLst>
       <p:ext uri="{BB962C8B-B14F-4D97-AF65-F5344CB8AC3E}">
-        <p14:creationId xmlns:p14="http://schemas.microsoft.com/office/powerpoint/2010/main" val="489773958"/>
+        <p14:creationId xmlns:p14="http://schemas.microsoft.com/office/powerpoint/2010/main" val="2777034489"/>
       </p:ext>
     </p:extLst>
   </p:cSld>
@@ -1431,7 +1431,7 @@
           <a:p>
             <a:fld id="{3D8CBC75-8284-403E-92F0-16B75D676E39}" type="datetimeFigureOut">
               <a:rPr lang="zh-TW" altLang="en-US" smtClean="0"/>
-              <a:t>2020/7/11</a:t>
+              <a:t>2020/7/14</a:t>
             </a:fld>
             <a:endParaRPr lang="zh-TW" altLang="en-US"/>
           </a:p>
@@ -1559,7 +1559,7 @@
           <a:p>
             <a:fld id="{3D8CBC75-8284-403E-92F0-16B75D676E39}" type="datetimeFigureOut">
               <a:rPr lang="zh-TW" altLang="en-US" smtClean="0"/>
-              <a:t>2020/7/11</a:t>
+              <a:t>2020/7/14</a:t>
             </a:fld>
             <a:endParaRPr lang="zh-TW" altLang="en-US"/>
           </a:p>
@@ -1902,7 +1902,7 @@
           <a:p>
             <a:fld id="{3D8CBC75-8284-403E-92F0-16B75D676E39}" type="datetimeFigureOut">
               <a:rPr lang="zh-TW" altLang="en-US" smtClean="0"/>
-              <a:t>2020/7/11</a:t>
+              <a:t>2020/7/14</a:t>
             </a:fld>
             <a:endParaRPr lang="zh-TW" altLang="en-US"/>
           </a:p>
@@ -2235,7 +2235,7 @@
           <a:p>
             <a:fld id="{3D8CBC75-8284-403E-92F0-16B75D676E39}" type="datetimeFigureOut">
               <a:rPr lang="zh-TW" altLang="en-US" smtClean="0"/>
-              <a:t>2020/7/11</a:t>
+              <a:t>2020/7/14</a:t>
             </a:fld>
             <a:endParaRPr lang="zh-TW" altLang="en-US"/>
           </a:p>
@@ -2604,7 +2604,7 @@
           <a:p>
             <a:fld id="{3D8CBC75-8284-403E-92F0-16B75D676E39}" type="datetimeFigureOut">
               <a:rPr lang="zh-TW" altLang="en-US" smtClean="0"/>
-              <a:t>2020/7/11</a:t>
+              <a:t>2020/7/14</a:t>
             </a:fld>
             <a:endParaRPr lang="zh-TW" altLang="en-US"/>
           </a:p>
@@ -2827,7 +2827,7 @@
           <a:p>
             <a:fld id="{3D8CBC75-8284-403E-92F0-16B75D676E39}" type="datetimeFigureOut">
               <a:rPr lang="zh-TW" altLang="en-US" smtClean="0"/>
-              <a:t>2020/7/11</a:t>
+              <a:t>2020/7/14</a:t>
             </a:fld>
             <a:endParaRPr lang="zh-TW" altLang="en-US"/>
           </a:p>
@@ -3357,7 +3357,7 @@
           <a:p>
             <a:fld id="{3D8CBC75-8284-403E-92F0-16B75D676E39}" type="datetimeFigureOut">
               <a:rPr lang="zh-TW" altLang="en-US" smtClean="0"/>
-              <a:t>2020/7/11</a:t>
+              <a:t>2020/7/14</a:t>
             </a:fld>
             <a:endParaRPr lang="zh-TW" altLang="en-US"/>
           </a:p>
@@ -3638,7 +3638,7 @@
           <a:p>
             <a:fld id="{3D8CBC75-8284-403E-92F0-16B75D676E39}" type="datetimeFigureOut">
               <a:rPr lang="zh-TW" altLang="en-US" smtClean="0"/>
-              <a:t>2020/7/11</a:t>
+              <a:t>2020/7/14</a:t>
             </a:fld>
             <a:endParaRPr lang="zh-TW" altLang="en-US"/>
           </a:p>
@@ -3825,7 +3825,7 @@
           <a:p>
             <a:fld id="{3D8CBC75-8284-403E-92F0-16B75D676E39}" type="datetimeFigureOut">
               <a:rPr lang="zh-TW" altLang="en-US" smtClean="0"/>
-              <a:t>2020/7/11</a:t>
+              <a:t>2020/7/14</a:t>
             </a:fld>
             <a:endParaRPr lang="zh-TW" altLang="en-US"/>
           </a:p>
@@ -4227,7 +4227,7 @@
           <a:p>
             <a:fld id="{3D8CBC75-8284-403E-92F0-16B75D676E39}" type="datetimeFigureOut">
               <a:rPr lang="zh-TW" altLang="en-US" smtClean="0"/>
-              <a:t>2020/7/11</a:t>
+              <a:t>2020/7/14</a:t>
             </a:fld>
             <a:endParaRPr lang="zh-TW" altLang="en-US"/>
           </a:p>
@@ -4647,7 +4647,7 @@
           <a:p>
             <a:fld id="{3D8CBC75-8284-403E-92F0-16B75D676E39}" type="datetimeFigureOut">
               <a:rPr lang="zh-TW" altLang="en-US" smtClean="0"/>
-              <a:t>2020/7/11</a:t>
+              <a:t>2020/7/14</a:t>
             </a:fld>
             <a:endParaRPr lang="zh-TW" altLang="en-US"/>
           </a:p>
@@ -5034,7 +5034,7 @@
             <a:fld id="{3D8CBC75-8284-403E-92F0-16B75D676E39}" type="datetimeFigureOut">
               <a:rPr lang="zh-TW" altLang="en-US" smtClean="0"/>
               <a:pPr/>
-              <a:t>2020/7/11</a:t>
+              <a:t>2020/7/14</a:t>
             </a:fld>
             <a:endParaRPr lang="zh-TW" altLang="en-US" dirty="0"/>
           </a:p>
@@ -8135,8 +8135,8 @@
         </p:nvSpPr>
         <p:spPr>
           <a:xfrm>
-            <a:off x="628650" y="1196752"/>
-            <a:ext cx="7886700" cy="4351338"/>
+            <a:off x="476089" y="1253331"/>
+            <a:ext cx="8191822" cy="4351338"/>
           </a:xfrm>
         </p:spPr>
         <p:txBody>
@@ -8202,6 +8202,30 @@
               <a:rPr lang="en-US" altLang="zh-TW" dirty="0">
                 <a:latin typeface="Consolas" panose="020B0609020204030204" pitchFamily="49" charset="0"/>
               </a:rPr>
+              <a:t>&lt;ul&gt;</a:t>
+            </a:r>
+            <a:r>
+              <a:rPr lang="zh-TW" altLang="en-US" dirty="0">
+                <a:latin typeface="Consolas" panose="020B0609020204030204" pitchFamily="49" charset="0"/>
+              </a:rPr>
+              <a:t>、</a:t>
+            </a:r>
+            <a:r>
+              <a:rPr lang="en-US" altLang="zh-TW" dirty="0">
+                <a:latin typeface="Consolas" panose="020B0609020204030204" pitchFamily="49" charset="0"/>
+              </a:rPr>
+              <a:t>&lt;li&gt;</a:t>
+            </a:r>
+            <a:r>
+              <a:rPr lang="zh-TW" altLang="en-US" dirty="0">
+                <a:latin typeface="Consolas" panose="020B0609020204030204" pitchFamily="49" charset="0"/>
+              </a:rPr>
+              <a:t>、</a:t>
+            </a:r>
+            <a:r>
+              <a:rPr lang="en-US" altLang="zh-TW" dirty="0">
+                <a:latin typeface="Consolas" panose="020B0609020204030204" pitchFamily="49" charset="0"/>
+              </a:rPr>
               <a:t>&lt;style&gt;</a:t>
             </a:r>
           </a:p>
@@ -8216,24 +8240,36 @@
               </a:rPr>
               <a:t>class</a:t>
             </a:r>
-          </a:p>
-          <a:p>
             <a:r>
               <a:rPr lang="zh-TW" altLang="en-US" dirty="0">
                 <a:latin typeface="Consolas" panose="020B0609020204030204" pitchFamily="49" charset="0"/>
               </a:rPr>
-              <a:t>所需</a:t>
+              <a:t>、</a:t>
             </a:r>
             <a:r>
               <a:rPr lang="en-US" altLang="zh-TW" dirty="0">
                 <a:latin typeface="Consolas" panose="020B0609020204030204" pitchFamily="49" charset="0"/>
               </a:rPr>
-              <a:t>JS</a:t>
-            </a:r>
+              <a:t>id</a:t>
+            </a:r>
+          </a:p>
+          <a:p>
             <a:r>
               <a:rPr lang="zh-TW" altLang="en-US" dirty="0">
                 <a:latin typeface="Consolas" panose="020B0609020204030204" pitchFamily="49" charset="0"/>
               </a:rPr>
+              <a:t>所需</a:t>
+            </a:r>
+            <a:r>
+              <a:rPr lang="en-US" altLang="zh-TW" dirty="0">
+                <a:latin typeface="Consolas" panose="020B0609020204030204" pitchFamily="49" charset="0"/>
+              </a:rPr>
+              <a:t>JS</a:t>
+            </a:r>
+            <a:r>
+              <a:rPr lang="zh-TW" altLang="en-US" dirty="0">
+                <a:latin typeface="Consolas" panose="020B0609020204030204" pitchFamily="49" charset="0"/>
+              </a:rPr>
               <a:t>語法：</a:t>
             </a:r>
             <a:r>
@@ -8255,10 +8291,16 @@
               <a:t>、</a:t>
             </a:r>
             <a:r>
+              <a:rPr lang="en-US" altLang="zh-TW" dirty="0" err="1">
+                <a:latin typeface="Consolas" panose="020B0609020204030204" pitchFamily="49" charset="0"/>
+              </a:rPr>
+              <a:t>document.createElement</a:t>
+            </a:r>
+            <a:r>
               <a:rPr lang="en-US" altLang="zh-TW" dirty="0">
                 <a:latin typeface="Consolas" panose="020B0609020204030204" pitchFamily="49" charset="0"/>
               </a:rPr>
-              <a:t>onclick</a:t>
+              <a:t>()</a:t>
             </a:r>
             <a:r>
               <a:rPr lang="zh-TW" altLang="en-US" dirty="0">
@@ -8267,57 +8309,30 @@
               <a:t>、</a:t>
             </a:r>
             <a:r>
+              <a:rPr lang="en-US" altLang="zh-TW" dirty="0" err="1">
+                <a:latin typeface="Consolas" panose="020B0609020204030204" pitchFamily="49" charset="0"/>
+              </a:rPr>
+              <a:t>innerHTML</a:t>
+            </a:r>
+            <a:r>
+              <a:rPr lang="zh-TW" altLang="en-US" dirty="0">
+                <a:latin typeface="Consolas" panose="020B0609020204030204" pitchFamily="49" charset="0"/>
+              </a:rPr>
+              <a:t>、</a:t>
+            </a:r>
+            <a:r>
               <a:rPr lang="en-US" altLang="zh-TW" dirty="0">
                 <a:latin typeface="Consolas" panose="020B0609020204030204" pitchFamily="49" charset="0"/>
               </a:rPr>
-              <a:t> </a:t>
-            </a:r>
-            <a:r>
-              <a:rPr lang="en-US" altLang="zh-TW" dirty="0" err="1">
-                <a:latin typeface="Consolas" panose="020B0609020204030204" pitchFamily="49" charset="0"/>
-              </a:rPr>
-              <a:t>document.createElement</a:t>
-            </a:r>
-            <a:r>
-              <a:rPr lang="en-US" altLang="zh-TW" dirty="0">
-                <a:latin typeface="Consolas" panose="020B0609020204030204" pitchFamily="49" charset="0"/>
-              </a:rPr>
-              <a:t>()</a:t>
-            </a:r>
-            <a:r>
-              <a:rPr lang="zh-TW" altLang="en-US" dirty="0">
-                <a:latin typeface="Consolas" panose="020B0609020204030204" pitchFamily="49" charset="0"/>
-              </a:rPr>
-              <a:t>、</a:t>
-            </a:r>
-            <a:r>
-              <a:rPr lang="en-US" altLang="zh-TW" dirty="0" err="1">
-                <a:latin typeface="Consolas" panose="020B0609020204030204" pitchFamily="49" charset="0"/>
-              </a:rPr>
-              <a:t>innerHTML</a:t>
-            </a:r>
-            <a:r>
-              <a:rPr lang="zh-TW" altLang="en-US" dirty="0">
-                <a:latin typeface="Consolas" panose="020B0609020204030204" pitchFamily="49" charset="0"/>
-              </a:rPr>
-              <a:t>、</a:t>
-            </a:r>
-            <a:r>
-              <a:rPr lang="en-US" altLang="zh-TW" dirty="0" err="1">
-                <a:latin typeface="Consolas" panose="020B0609020204030204" pitchFamily="49" charset="0"/>
-              </a:rPr>
-              <a:t>appendChild</a:t>
-            </a:r>
-            <a:endParaRPr lang="en-US" altLang="zh-TW" dirty="0">
-              <a:latin typeface="Consolas" panose="020B0609020204030204" pitchFamily="49" charset="0"/>
-            </a:endParaRPr>
+              <a:t>onclick</a:t>
+            </a:r>
           </a:p>
         </p:txBody>
       </p:sp>
     </p:spTree>
     <p:extLst>
       <p:ext uri="{BB962C8B-B14F-4D97-AF65-F5344CB8AC3E}">
-        <p14:creationId xmlns:p14="http://schemas.microsoft.com/office/powerpoint/2010/main" val="1853652732"/>
+        <p14:creationId xmlns:p14="http://schemas.microsoft.com/office/powerpoint/2010/main" val="1594041963"/>
       </p:ext>
     </p:extLst>
   </p:cSld>

--- a/教學簡報/JavaScript - 2.pptx
+++ b/教學簡報/JavaScript - 2.pptx
@@ -741,10 +741,7 @@
           <a:bodyPr/>
           <a:lstStyle/>
           <a:p>
-            <a:r>
-              <a:rPr lang="zh-TW" altLang="en-US" dirty="0"/>
-              <a:t>好，那剛剛科普完了，現在我們終於回到正題。</a:t>
-            </a:r>
+            <a:endParaRPr lang="zh-TW" altLang="en-US" dirty="0"/>
           </a:p>
         </p:txBody>
       </p:sp>
@@ -828,10 +825,7 @@
           <a:bodyPr/>
           <a:lstStyle/>
           <a:p>
-            <a:r>
-              <a:rPr lang="zh-TW" altLang="en-US" dirty="0"/>
-              <a:t>好，那剛剛科普完了，現在我們終於回到正題。</a:t>
-            </a:r>
+            <a:endParaRPr lang="zh-TW" altLang="en-US" dirty="0"/>
           </a:p>
         </p:txBody>
       </p:sp>
@@ -915,10 +909,7 @@
           <a:bodyPr/>
           <a:lstStyle/>
           <a:p>
-            <a:r>
-              <a:rPr lang="zh-TW" altLang="en-US" dirty="0"/>
-              <a:t>好，那剛剛科普完了，現在我們終於回到正題。</a:t>
-            </a:r>
+            <a:endParaRPr lang="zh-TW" altLang="en-US" dirty="0"/>
           </a:p>
         </p:txBody>
       </p:sp>
@@ -1002,10 +993,7 @@
           <a:bodyPr/>
           <a:lstStyle/>
           <a:p>
-            <a:r>
-              <a:rPr lang="zh-TW" altLang="en-US" dirty="0"/>
-              <a:t>好，那剛剛科普完了，現在我們終於回到正題。</a:t>
-            </a:r>
+            <a:endParaRPr lang="zh-TW" altLang="en-US" dirty="0"/>
           </a:p>
         </p:txBody>
       </p:sp>
@@ -1089,10 +1077,7 @@
           <a:bodyPr/>
           <a:lstStyle/>
           <a:p>
-            <a:r>
-              <a:rPr lang="zh-TW" altLang="en-US" dirty="0"/>
-              <a:t>好，那剛剛科普完了，現在我們終於回到正題。</a:t>
-            </a:r>
+            <a:endParaRPr lang="zh-TW" altLang="en-US" dirty="0"/>
           </a:p>
         </p:txBody>
       </p:sp>

--- a/教學簡報/JavaScript - 2.pptx
+++ b/教學簡報/JavaScript - 2.pptx
@@ -246,7 +246,7 @@
             <a:fld id="{A5DCF4EA-E40D-43F8-B4CB-7F82BC812DB7}" type="datetimeFigureOut">
               <a:rPr lang="zh-TW" altLang="en-US" smtClean="0"/>
               <a:pPr/>
-              <a:t>2020/7/14</a:t>
+              <a:t>2020/7/15</a:t>
             </a:fld>
             <a:endParaRPr lang="zh-TW" altLang="en-US" dirty="0"/>
           </a:p>
@@ -1416,7 +1416,7 @@
           <a:p>
             <a:fld id="{3D8CBC75-8284-403E-92F0-16B75D676E39}" type="datetimeFigureOut">
               <a:rPr lang="zh-TW" altLang="en-US" smtClean="0"/>
-              <a:t>2020/7/14</a:t>
+              <a:t>2020/7/15</a:t>
             </a:fld>
             <a:endParaRPr lang="zh-TW" altLang="en-US"/>
           </a:p>
@@ -1544,7 +1544,7 @@
           <a:p>
             <a:fld id="{3D8CBC75-8284-403E-92F0-16B75D676E39}" type="datetimeFigureOut">
               <a:rPr lang="zh-TW" altLang="en-US" smtClean="0"/>
-              <a:t>2020/7/14</a:t>
+              <a:t>2020/7/15</a:t>
             </a:fld>
             <a:endParaRPr lang="zh-TW" altLang="en-US"/>
           </a:p>
@@ -1887,7 +1887,7 @@
           <a:p>
             <a:fld id="{3D8CBC75-8284-403E-92F0-16B75D676E39}" type="datetimeFigureOut">
               <a:rPr lang="zh-TW" altLang="en-US" smtClean="0"/>
-              <a:t>2020/7/14</a:t>
+              <a:t>2020/7/15</a:t>
             </a:fld>
             <a:endParaRPr lang="zh-TW" altLang="en-US"/>
           </a:p>
@@ -2220,7 +2220,7 @@
           <a:p>
             <a:fld id="{3D8CBC75-8284-403E-92F0-16B75D676E39}" type="datetimeFigureOut">
               <a:rPr lang="zh-TW" altLang="en-US" smtClean="0"/>
-              <a:t>2020/7/14</a:t>
+              <a:t>2020/7/15</a:t>
             </a:fld>
             <a:endParaRPr lang="zh-TW" altLang="en-US"/>
           </a:p>
@@ -2589,7 +2589,7 @@
           <a:p>
             <a:fld id="{3D8CBC75-8284-403E-92F0-16B75D676E39}" type="datetimeFigureOut">
               <a:rPr lang="zh-TW" altLang="en-US" smtClean="0"/>
-              <a:t>2020/7/14</a:t>
+              <a:t>2020/7/15</a:t>
             </a:fld>
             <a:endParaRPr lang="zh-TW" altLang="en-US"/>
           </a:p>
@@ -2812,7 +2812,7 @@
           <a:p>
             <a:fld id="{3D8CBC75-8284-403E-92F0-16B75D676E39}" type="datetimeFigureOut">
               <a:rPr lang="zh-TW" altLang="en-US" smtClean="0"/>
-              <a:t>2020/7/14</a:t>
+              <a:t>2020/7/15</a:t>
             </a:fld>
             <a:endParaRPr lang="zh-TW" altLang="en-US"/>
           </a:p>
@@ -3342,7 +3342,7 @@
           <a:p>
             <a:fld id="{3D8CBC75-8284-403E-92F0-16B75D676E39}" type="datetimeFigureOut">
               <a:rPr lang="zh-TW" altLang="en-US" smtClean="0"/>
-              <a:t>2020/7/14</a:t>
+              <a:t>2020/7/15</a:t>
             </a:fld>
             <a:endParaRPr lang="zh-TW" altLang="en-US"/>
           </a:p>
@@ -3623,7 +3623,7 @@
           <a:p>
             <a:fld id="{3D8CBC75-8284-403E-92F0-16B75D676E39}" type="datetimeFigureOut">
               <a:rPr lang="zh-TW" altLang="en-US" smtClean="0"/>
-              <a:t>2020/7/14</a:t>
+              <a:t>2020/7/15</a:t>
             </a:fld>
             <a:endParaRPr lang="zh-TW" altLang="en-US"/>
           </a:p>
@@ -3810,7 +3810,7 @@
           <a:p>
             <a:fld id="{3D8CBC75-8284-403E-92F0-16B75D676E39}" type="datetimeFigureOut">
               <a:rPr lang="zh-TW" altLang="en-US" smtClean="0"/>
-              <a:t>2020/7/14</a:t>
+              <a:t>2020/7/15</a:t>
             </a:fld>
             <a:endParaRPr lang="zh-TW" altLang="en-US"/>
           </a:p>
@@ -4212,7 +4212,7 @@
           <a:p>
             <a:fld id="{3D8CBC75-8284-403E-92F0-16B75D676E39}" type="datetimeFigureOut">
               <a:rPr lang="zh-TW" altLang="en-US" smtClean="0"/>
-              <a:t>2020/7/14</a:t>
+              <a:t>2020/7/15</a:t>
             </a:fld>
             <a:endParaRPr lang="zh-TW" altLang="en-US"/>
           </a:p>
@@ -4632,7 +4632,7 @@
           <a:p>
             <a:fld id="{3D8CBC75-8284-403E-92F0-16B75D676E39}" type="datetimeFigureOut">
               <a:rPr lang="zh-TW" altLang="en-US" smtClean="0"/>
-              <a:t>2020/7/14</a:t>
+              <a:t>2020/7/15</a:t>
             </a:fld>
             <a:endParaRPr lang="zh-TW" altLang="en-US"/>
           </a:p>
@@ -5019,7 +5019,7 @@
             <a:fld id="{3D8CBC75-8284-403E-92F0-16B75D676E39}" type="datetimeFigureOut">
               <a:rPr lang="zh-TW" altLang="en-US" smtClean="0"/>
               <a:pPr/>
-              <a:t>2020/7/14</a:t>
+              <a:t>2020/7/15</a:t>
             </a:fld>
             <a:endParaRPr lang="zh-TW" altLang="en-US" dirty="0"/>
           </a:p>
@@ -6057,7 +6057,7 @@
                 </a:solidFill>
                 <a:latin typeface="微軟正黑體" panose="020B0604030504040204" pitchFamily="34" charset="-120"/>
               </a:rPr>
-              <a:t>document.getElementBy</a:t>
+              <a:t>document.getElementsBy</a:t>
             </a:r>
             <a:r>
               <a:rPr lang="en-US" altLang="zh-TW" sz="2900" dirty="0" err="1">
@@ -6130,7 +6130,7 @@
         <p:spPr>
           <a:xfrm>
             <a:off x="400653" y="4542661"/>
-            <a:ext cx="8332542" cy="477054"/>
+            <a:ext cx="8332542" cy="461665"/>
           </a:xfrm>
           <a:prstGeom prst="rect">
             <a:avLst/>
@@ -6144,7 +6144,7 @@
           <a:lstStyle/>
           <a:p>
             <a:r>
-              <a:rPr lang="en" altLang="zh-TW" sz="2500" dirty="0" err="1">
+              <a:rPr lang="en" altLang="zh-TW" sz="2400" dirty="0" err="1">
                 <a:solidFill>
                   <a:srgbClr val="0070C0"/>
                 </a:solidFill>
@@ -6153,7 +6153,7 @@
               <a:t>document</a:t>
             </a:r>
             <a:r>
-              <a:rPr lang="en" altLang="zh-TW" sz="2500" dirty="0" err="1">
+              <a:rPr lang="en" altLang="zh-TW" sz="2400" dirty="0" err="1">
                 <a:solidFill>
                   <a:schemeClr val="accent5"/>
                 </a:solidFill>
@@ -6162,16 +6162,16 @@
               <a:t>.</a:t>
             </a:r>
             <a:r>
-              <a:rPr lang="en" altLang="zh-TW" sz="2500" dirty="0" err="1">
+              <a:rPr lang="en" altLang="zh-TW" sz="2400" dirty="0" err="1">
                 <a:solidFill>
                   <a:srgbClr val="00B050"/>
                 </a:solidFill>
                 <a:latin typeface="Menlo" panose="020B0609030804020204" pitchFamily="49" charset="0"/>
               </a:rPr>
-              <a:t>getElementByClassName</a:t>
-            </a:r>
-            <a:r>
-              <a:rPr lang="en" altLang="zh-TW" sz="2500" dirty="0">
+              <a:t>getElementsByClassName</a:t>
+            </a:r>
+            <a:r>
+              <a:rPr lang="en" altLang="zh-TW" sz="2400" dirty="0">
                 <a:solidFill>
                   <a:schemeClr val="accent5"/>
                 </a:solidFill>
@@ -6180,7 +6180,7 @@
               <a:t>("</a:t>
             </a:r>
             <a:r>
-              <a:rPr lang="en" altLang="zh-TW" sz="2500" dirty="0" err="1">
+              <a:rPr lang="en" altLang="zh-TW" sz="2400" dirty="0" err="1">
                 <a:solidFill>
                   <a:srgbClr val="FF0000"/>
                 </a:solidFill>
@@ -6189,7 +6189,7 @@
               <a:t>myContent</a:t>
             </a:r>
             <a:r>
-              <a:rPr lang="en" altLang="zh-TW" sz="2500" dirty="0">
+              <a:rPr lang="en" altLang="zh-TW" sz="2400" dirty="0">
                 <a:solidFill>
                   <a:schemeClr val="accent5"/>
                 </a:solidFill>
@@ -7206,7 +7206,7 @@
                 </a:solidFill>
                 <a:latin typeface="微軟正黑體" panose="020B0604030504040204" pitchFamily="34" charset="-120"/>
               </a:rPr>
-              <a:t>getElementBy</a:t>
+              <a:t>getElementsBy</a:t>
             </a:r>
             <a:r>
               <a:rPr lang="en-US" altLang="zh-TW" sz="2000" dirty="0" err="1">

--- a/教學簡報/JavaScript - 2.pptx
+++ b/教學簡報/JavaScript - 2.pptx
@@ -246,7 +246,7 @@
             <a:fld id="{A5DCF4EA-E40D-43F8-B4CB-7F82BC812DB7}" type="datetimeFigureOut">
               <a:rPr lang="zh-TW" altLang="en-US" smtClean="0"/>
               <a:pPr/>
-              <a:t>2020/7/15</a:t>
+              <a:t>2020/7/24</a:t>
             </a:fld>
             <a:endParaRPr lang="zh-TW" altLang="en-US" dirty="0"/>
           </a:p>
@@ -1416,7 +1416,7 @@
           <a:p>
             <a:fld id="{3D8CBC75-8284-403E-92F0-16B75D676E39}" type="datetimeFigureOut">
               <a:rPr lang="zh-TW" altLang="en-US" smtClean="0"/>
-              <a:t>2020/7/15</a:t>
+              <a:t>2020/7/24</a:t>
             </a:fld>
             <a:endParaRPr lang="zh-TW" altLang="en-US"/>
           </a:p>
@@ -1544,7 +1544,7 @@
           <a:p>
             <a:fld id="{3D8CBC75-8284-403E-92F0-16B75D676E39}" type="datetimeFigureOut">
               <a:rPr lang="zh-TW" altLang="en-US" smtClean="0"/>
-              <a:t>2020/7/15</a:t>
+              <a:t>2020/7/24</a:t>
             </a:fld>
             <a:endParaRPr lang="zh-TW" altLang="en-US"/>
           </a:p>
@@ -1887,7 +1887,7 @@
           <a:p>
             <a:fld id="{3D8CBC75-8284-403E-92F0-16B75D676E39}" type="datetimeFigureOut">
               <a:rPr lang="zh-TW" altLang="en-US" smtClean="0"/>
-              <a:t>2020/7/15</a:t>
+              <a:t>2020/7/24</a:t>
             </a:fld>
             <a:endParaRPr lang="zh-TW" altLang="en-US"/>
           </a:p>
@@ -2220,7 +2220,7 @@
           <a:p>
             <a:fld id="{3D8CBC75-8284-403E-92F0-16B75D676E39}" type="datetimeFigureOut">
               <a:rPr lang="zh-TW" altLang="en-US" smtClean="0"/>
-              <a:t>2020/7/15</a:t>
+              <a:t>2020/7/24</a:t>
             </a:fld>
             <a:endParaRPr lang="zh-TW" altLang="en-US"/>
           </a:p>
@@ -2589,7 +2589,7 @@
           <a:p>
             <a:fld id="{3D8CBC75-8284-403E-92F0-16B75D676E39}" type="datetimeFigureOut">
               <a:rPr lang="zh-TW" altLang="en-US" smtClean="0"/>
-              <a:t>2020/7/15</a:t>
+              <a:t>2020/7/24</a:t>
             </a:fld>
             <a:endParaRPr lang="zh-TW" altLang="en-US"/>
           </a:p>
@@ -2812,7 +2812,7 @@
           <a:p>
             <a:fld id="{3D8CBC75-8284-403E-92F0-16B75D676E39}" type="datetimeFigureOut">
               <a:rPr lang="zh-TW" altLang="en-US" smtClean="0"/>
-              <a:t>2020/7/15</a:t>
+              <a:t>2020/7/24</a:t>
             </a:fld>
             <a:endParaRPr lang="zh-TW" altLang="en-US"/>
           </a:p>
@@ -3342,7 +3342,7 @@
           <a:p>
             <a:fld id="{3D8CBC75-8284-403E-92F0-16B75D676E39}" type="datetimeFigureOut">
               <a:rPr lang="zh-TW" altLang="en-US" smtClean="0"/>
-              <a:t>2020/7/15</a:t>
+              <a:t>2020/7/24</a:t>
             </a:fld>
             <a:endParaRPr lang="zh-TW" altLang="en-US"/>
           </a:p>
@@ -3623,7 +3623,7 @@
           <a:p>
             <a:fld id="{3D8CBC75-8284-403E-92F0-16B75D676E39}" type="datetimeFigureOut">
               <a:rPr lang="zh-TW" altLang="en-US" smtClean="0"/>
-              <a:t>2020/7/15</a:t>
+              <a:t>2020/7/24</a:t>
             </a:fld>
             <a:endParaRPr lang="zh-TW" altLang="en-US"/>
           </a:p>
@@ -3810,7 +3810,7 @@
           <a:p>
             <a:fld id="{3D8CBC75-8284-403E-92F0-16B75D676E39}" type="datetimeFigureOut">
               <a:rPr lang="zh-TW" altLang="en-US" smtClean="0"/>
-              <a:t>2020/7/15</a:t>
+              <a:t>2020/7/24</a:t>
             </a:fld>
             <a:endParaRPr lang="zh-TW" altLang="en-US"/>
           </a:p>
@@ -4212,7 +4212,7 @@
           <a:p>
             <a:fld id="{3D8CBC75-8284-403E-92F0-16B75D676E39}" type="datetimeFigureOut">
               <a:rPr lang="zh-TW" altLang="en-US" smtClean="0"/>
-              <a:t>2020/7/15</a:t>
+              <a:t>2020/7/24</a:t>
             </a:fld>
             <a:endParaRPr lang="zh-TW" altLang="en-US"/>
           </a:p>
@@ -4632,7 +4632,7 @@
           <a:p>
             <a:fld id="{3D8CBC75-8284-403E-92F0-16B75D676E39}" type="datetimeFigureOut">
               <a:rPr lang="zh-TW" altLang="en-US" smtClean="0"/>
-              <a:t>2020/7/15</a:t>
+              <a:t>2020/7/24</a:t>
             </a:fld>
             <a:endParaRPr lang="zh-TW" altLang="en-US"/>
           </a:p>
@@ -5019,7 +5019,7 @@
             <a:fld id="{3D8CBC75-8284-403E-92F0-16B75D676E39}" type="datetimeFigureOut">
               <a:rPr lang="zh-TW" altLang="en-US" smtClean="0"/>
               <a:pPr/>
-              <a:t>2020/7/15</a:t>
+              <a:t>2020/7/24</a:t>
             </a:fld>
             <a:endParaRPr lang="zh-TW" altLang="en-US" dirty="0"/>
           </a:p>
@@ -6129,7 +6129,7 @@
         </p:nvSpPr>
         <p:spPr>
           <a:xfrm>
-            <a:off x="400653" y="4542661"/>
+            <a:off x="400653" y="4623519"/>
             <a:ext cx="8332542" cy="461665"/>
           </a:xfrm>
           <a:prstGeom prst="rect">
@@ -6143,6 +6143,7 @@
           </a:bodyPr>
           <a:lstStyle/>
           <a:p>
+            <a:pPr algn="ctr"/>
             <a:r>
               <a:rPr lang="en" altLang="zh-TW" sz="2400" dirty="0" err="1">
                 <a:solidFill>
@@ -6214,8 +6215,8 @@
         </p:nvSpPr>
         <p:spPr>
           <a:xfrm>
-            <a:off x="1557125" y="3135759"/>
-            <a:ext cx="6019597" cy="477054"/>
+            <a:off x="2260491" y="3216617"/>
+            <a:ext cx="4612865" cy="477054"/>
           </a:xfrm>
           <a:prstGeom prst="rect">
             <a:avLst/>
@@ -6228,6 +6229,7 @@
           </a:bodyPr>
           <a:lstStyle/>
           <a:p>
+            <a:pPr algn="ctr"/>
             <a:r>
               <a:rPr lang="en" altLang="zh-TW" sz="2500" dirty="0">
                 <a:solidFill>
@@ -6311,7 +6313,7 @@
         </p:nvSpPr>
         <p:spPr>
           <a:xfrm>
-            <a:off x="2360970" y="3858446"/>
+            <a:off x="2360970" y="3939304"/>
             <a:ext cx="4323621" cy="438582"/>
           </a:xfrm>
           <a:prstGeom prst="rect">
@@ -6680,8 +6682,8 @@
         </p:nvSpPr>
         <p:spPr>
           <a:xfrm>
-            <a:off x="1017178" y="4537452"/>
-            <a:ext cx="7109639" cy="477054"/>
+            <a:off x="1796879" y="4608130"/>
+            <a:ext cx="5550237" cy="477054"/>
           </a:xfrm>
           <a:prstGeom prst="rect">
             <a:avLst/>
@@ -6694,6 +6696,7 @@
           </a:bodyPr>
           <a:lstStyle/>
           <a:p>
+            <a:pPr algn="ctr"/>
             <a:r>
               <a:rPr lang="en" altLang="zh-TW" sz="2500" dirty="0" err="1">
                 <a:solidFill>
@@ -6765,8 +6768,8 @@
         </p:nvSpPr>
         <p:spPr>
           <a:xfrm>
-            <a:off x="1801523" y="3136468"/>
-            <a:ext cx="5442516" cy="477054"/>
+            <a:off x="2402296" y="3207146"/>
+            <a:ext cx="4240969" cy="477054"/>
           </a:xfrm>
           <a:prstGeom prst="rect">
             <a:avLst/>
@@ -6779,6 +6782,7 @@
           </a:bodyPr>
           <a:lstStyle/>
           <a:p>
+            <a:pPr algn="ctr"/>
             <a:r>
               <a:rPr lang="en" altLang="zh-TW" sz="2500" dirty="0">
                 <a:solidFill>
@@ -6862,7 +6866,7 @@
         </p:nvSpPr>
         <p:spPr>
           <a:xfrm>
-            <a:off x="2410186" y="3858446"/>
+            <a:off x="2410186" y="3929124"/>
             <a:ext cx="4323621" cy="438582"/>
           </a:xfrm>
           <a:prstGeom prst="rect">
@@ -7372,8 +7376,8 @@
           </p:nvSpPr>
           <p:spPr>
             <a:xfrm>
-              <a:off x="1111106" y="4672846"/>
-              <a:ext cx="6917278" cy="477054"/>
+              <a:off x="2002381" y="4663659"/>
+              <a:ext cx="5007846" cy="477054"/>
             </a:xfrm>
             <a:prstGeom prst="rect">
               <a:avLst/>
@@ -7386,6 +7390,7 @@
             </a:bodyPr>
             <a:lstStyle/>
             <a:p>
+              <a:pPr algn="ctr"/>
               <a:r>
                 <a:rPr lang="en" altLang="zh-TW" sz="2500" dirty="0">
                   <a:solidFill>
@@ -7487,8 +7492,8 @@
           </p:nvSpPr>
           <p:spPr>
             <a:xfrm>
-              <a:off x="1224442" y="3150155"/>
-              <a:ext cx="6596678" cy="477054"/>
+              <a:off x="1973050" y="3140968"/>
+              <a:ext cx="4972580" cy="477054"/>
             </a:xfrm>
             <a:prstGeom prst="rect">
               <a:avLst/>
@@ -7501,6 +7506,7 @@
             </a:bodyPr>
             <a:lstStyle/>
             <a:p>
+              <a:pPr algn="ctr"/>
               <a:r>
                 <a:rPr lang="en" altLang="zh-TW" sz="2500" dirty="0">
                   <a:solidFill>
@@ -7602,7 +7608,7 @@
           </p:nvSpPr>
           <p:spPr>
             <a:xfrm>
-              <a:off x="4280465" y="3693646"/>
+              <a:off x="4217024" y="3684459"/>
               <a:ext cx="484632" cy="979200"/>
             </a:xfrm>
             <a:prstGeom prst="downArrow">
@@ -8096,15 +8102,22 @@
           <a:p>
             <a:pPr algn="ctr"/>
             <a:r>
-              <a:rPr lang="zh-TW" altLang="en-US" sz="4000" dirty="0">
+              <a:rPr lang="zh-TW" altLang="en-US" sz="4000">
                 <a:solidFill>
                   <a:srgbClr val="0070C0"/>
                 </a:solidFill>
                 <a:latin typeface="微軟正黑體" panose="020B0604030504040204" pitchFamily="34" charset="-120"/>
                 <a:ea typeface="微軟正黑體" panose="020B0604030504040204" pitchFamily="34" charset="-120"/>
               </a:rPr>
-              <a:t>回家作業</a:t>
-            </a:r>
+              <a:t>作業</a:t>
+            </a:r>
+            <a:endParaRPr lang="zh-TW" altLang="en-US" sz="4000" dirty="0">
+              <a:solidFill>
+                <a:srgbClr val="0070C0"/>
+              </a:solidFill>
+              <a:latin typeface="微軟正黑體" panose="020B0604030504040204" pitchFamily="34" charset="-120"/>
+              <a:ea typeface="微軟正黑體" panose="020B0604030504040204" pitchFamily="34" charset="-120"/>
+            </a:endParaRPr>
           </a:p>
         </p:txBody>
       </p:sp>

--- a/教學簡報/JavaScript - 2.pptx
+++ b/教學簡報/JavaScript - 2.pptx
@@ -5,7 +5,7 @@
     <p:sldMasterId id="2147484070" r:id="rId1"/>
   </p:sldMasterIdLst>
   <p:notesMasterIdLst>
-    <p:notesMasterId r:id="rId11"/>
+    <p:notesMasterId r:id="rId13"/>
   </p:notesMasterIdLst>
   <p:sldIdLst>
     <p:sldId id="259" r:id="rId2"/>
@@ -15,8 +15,10 @@
     <p:sldId id="303" r:id="rId6"/>
     <p:sldId id="304" r:id="rId7"/>
     <p:sldId id="305" r:id="rId8"/>
-    <p:sldId id="355" r:id="rId9"/>
-    <p:sldId id="289" r:id="rId10"/>
+    <p:sldId id="357" r:id="rId9"/>
+    <p:sldId id="356" r:id="rId10"/>
+    <p:sldId id="355" r:id="rId11"/>
+    <p:sldId id="289" r:id="rId12"/>
   </p:sldIdLst>
   <p:sldSz cx="9144000" cy="6858000" type="screen4x3"/>
   <p:notesSz cx="6858000" cy="9144000"/>
@@ -131,6 +133,8 @@
             <p14:sldId id="303"/>
             <p14:sldId id="304"/>
             <p14:sldId id="305"/>
+            <p14:sldId id="357"/>
+            <p14:sldId id="356"/>
             <p14:sldId id="355"/>
           </p14:sldIdLst>
         </p14:section>
@@ -246,7 +250,7 @@
             <a:fld id="{A5DCF4EA-E40D-43F8-B4CB-7F82BC812DB7}" type="datetimeFigureOut">
               <a:rPr lang="zh-TW" altLang="en-US" smtClean="0"/>
               <a:pPr/>
-              <a:t>2020/7/24</a:t>
+              <a:t>2020/10/27</a:t>
             </a:fld>
             <a:endParaRPr lang="zh-TW" altLang="en-US" dirty="0"/>
           </a:p>
@@ -610,6 +614,174 @@
 </p:notes>
 </file>
 
+<file path=ppt/notesSlides/notesSlide10.xml><?xml version="1.0" encoding="utf-8"?>
+<p:notes xmlns:a="http://schemas.openxmlformats.org/drawingml/2006/main" xmlns:r="http://schemas.openxmlformats.org/officeDocument/2006/relationships" xmlns:p="http://schemas.openxmlformats.org/presentationml/2006/main">
+  <p:cSld>
+    <p:spTree>
+      <p:nvGrpSpPr>
+        <p:cNvPr id="1" name=""/>
+        <p:cNvGrpSpPr/>
+        <p:nvPr/>
+      </p:nvGrpSpPr>
+      <p:grpSpPr>
+        <a:xfrm>
+          <a:off x="0" y="0"/>
+          <a:ext cx="0" cy="0"/>
+          <a:chOff x="0" y="0"/>
+          <a:chExt cx="0" cy="0"/>
+        </a:xfrm>
+      </p:grpSpPr>
+      <p:sp>
+        <p:nvSpPr>
+          <p:cNvPr id="2" name="投影片圖像版面配置區 1"/>
+          <p:cNvSpPr>
+            <a:spLocks noGrp="1" noRot="1" noChangeAspect="1"/>
+          </p:cNvSpPr>
+          <p:nvPr>
+            <p:ph type="sldImg"/>
+          </p:nvPr>
+        </p:nvSpPr>
+        <p:spPr/>
+      </p:sp>
+      <p:sp>
+        <p:nvSpPr>
+          <p:cNvPr id="3" name="備忘稿版面配置區 2"/>
+          <p:cNvSpPr>
+            <a:spLocks noGrp="1"/>
+          </p:cNvSpPr>
+          <p:nvPr>
+            <p:ph type="body" idx="1"/>
+          </p:nvPr>
+        </p:nvSpPr>
+        <p:spPr/>
+        <p:txBody>
+          <a:bodyPr/>
+          <a:lstStyle/>
+          <a:p>
+            <a:endParaRPr lang="zh-TW" altLang="en-US" dirty="0"/>
+          </a:p>
+        </p:txBody>
+      </p:sp>
+      <p:sp>
+        <p:nvSpPr>
+          <p:cNvPr id="4" name="投影片編號版面配置區 3"/>
+          <p:cNvSpPr>
+            <a:spLocks noGrp="1"/>
+          </p:cNvSpPr>
+          <p:nvPr>
+            <p:ph type="sldNum" sz="quarter" idx="10"/>
+          </p:nvPr>
+        </p:nvSpPr>
+        <p:spPr/>
+        <p:txBody>
+          <a:bodyPr/>
+          <a:lstStyle/>
+          <a:p>
+            <a:fld id="{288A6225-17E4-4F1A-9B1B-5D6F54C0EC31}" type="slidenum">
+              <a:rPr lang="zh-TW" altLang="en-US" smtClean="0"/>
+              <a:t>10</a:t>
+            </a:fld>
+            <a:endParaRPr lang="zh-TW" altLang="en-US"/>
+          </a:p>
+        </p:txBody>
+      </p:sp>
+    </p:spTree>
+    <p:extLst>
+      <p:ext uri="{BB962C8B-B14F-4D97-AF65-F5344CB8AC3E}">
+        <p14:creationId xmlns:p14="http://schemas.microsoft.com/office/powerpoint/2010/main" val="2777034489"/>
+      </p:ext>
+    </p:extLst>
+  </p:cSld>
+  <p:clrMapOvr>
+    <a:masterClrMapping/>
+  </p:clrMapOvr>
+</p:notes>
+</file>
+
+<file path=ppt/notesSlides/notesSlide11.xml><?xml version="1.0" encoding="utf-8"?>
+<p:notes xmlns:a="http://schemas.openxmlformats.org/drawingml/2006/main" xmlns:r="http://schemas.openxmlformats.org/officeDocument/2006/relationships" xmlns:p="http://schemas.openxmlformats.org/presentationml/2006/main">
+  <p:cSld>
+    <p:spTree>
+      <p:nvGrpSpPr>
+        <p:cNvPr id="1" name=""/>
+        <p:cNvGrpSpPr/>
+        <p:nvPr/>
+      </p:nvGrpSpPr>
+      <p:grpSpPr>
+        <a:xfrm>
+          <a:off x="0" y="0"/>
+          <a:ext cx="0" cy="0"/>
+          <a:chOff x="0" y="0"/>
+          <a:chExt cx="0" cy="0"/>
+        </a:xfrm>
+      </p:grpSpPr>
+      <p:sp>
+        <p:nvSpPr>
+          <p:cNvPr id="2" name="投影片圖像版面配置區 1"/>
+          <p:cNvSpPr>
+            <a:spLocks noGrp="1" noRot="1" noChangeAspect="1"/>
+          </p:cNvSpPr>
+          <p:nvPr>
+            <p:ph type="sldImg"/>
+          </p:nvPr>
+        </p:nvSpPr>
+        <p:spPr/>
+      </p:sp>
+      <p:sp>
+        <p:nvSpPr>
+          <p:cNvPr id="3" name="備忘稿版面配置區 2"/>
+          <p:cNvSpPr>
+            <a:spLocks noGrp="1"/>
+          </p:cNvSpPr>
+          <p:nvPr>
+            <p:ph type="body" idx="1"/>
+          </p:nvPr>
+        </p:nvSpPr>
+        <p:spPr/>
+        <p:txBody>
+          <a:bodyPr/>
+          <a:lstStyle/>
+          <a:p>
+            <a:endParaRPr lang="zh-TW" altLang="en-US"/>
+          </a:p>
+        </p:txBody>
+      </p:sp>
+      <p:sp>
+        <p:nvSpPr>
+          <p:cNvPr id="4" name="投影片編號版面配置區 3"/>
+          <p:cNvSpPr>
+            <a:spLocks noGrp="1"/>
+          </p:cNvSpPr>
+          <p:nvPr>
+            <p:ph type="sldNum" sz="quarter" idx="10"/>
+          </p:nvPr>
+        </p:nvSpPr>
+        <p:spPr/>
+        <p:txBody>
+          <a:bodyPr/>
+          <a:lstStyle/>
+          <a:p>
+            <a:fld id="{288A6225-17E4-4F1A-9B1B-5D6F54C0EC31}" type="slidenum">
+              <a:rPr lang="zh-TW" altLang="en-US" smtClean="0"/>
+              <a:t>11</a:t>
+            </a:fld>
+            <a:endParaRPr lang="zh-TW" altLang="en-US"/>
+          </a:p>
+        </p:txBody>
+      </p:sp>
+    </p:spTree>
+    <p:extLst>
+      <p:ext uri="{BB962C8B-B14F-4D97-AF65-F5344CB8AC3E}">
+        <p14:creationId xmlns:p14="http://schemas.microsoft.com/office/powerpoint/2010/main" val="1183840442"/>
+      </p:ext>
+    </p:extLst>
+  </p:cSld>
+  <p:clrMapOvr>
+    <a:masterClrMapping/>
+  </p:clrMapOvr>
+</p:notes>
+</file>
+
 <file path=ppt/notesSlides/notesSlide2.xml><?xml version="1.0" encoding="utf-8"?>
 <p:notes xmlns:a="http://schemas.openxmlformats.org/drawingml/2006/main" xmlns:r="http://schemas.openxmlformats.org/officeDocument/2006/relationships" xmlns:p="http://schemas.openxmlformats.org/presentationml/2006/main">
   <p:cSld>
@@ -741,7 +913,38 @@
           <a:bodyPr/>
           <a:lstStyle/>
           <a:p>
-            <a:endParaRPr lang="zh-TW" altLang="en-US" dirty="0"/>
+            <a:r>
+              <a:rPr lang="zh-TW" altLang="en-US" sz="1400" dirty="0"/>
+              <a:t>文件物件模型：在網頁上，文件（</a:t>
+            </a:r>
+            <a:r>
+              <a:rPr lang="en-US" altLang="zh-TW" sz="1400" dirty="0"/>
+              <a:t>Document</a:t>
+            </a:r>
+            <a:r>
+              <a:rPr lang="zh-TW" altLang="en-US" sz="1400" dirty="0"/>
+              <a:t>）意旨</a:t>
+            </a:r>
+            <a:r>
+              <a:rPr lang="en-US" altLang="zh-TW" sz="1400" dirty="0"/>
+              <a:t>HTML</a:t>
+            </a:r>
+            <a:r>
+              <a:rPr lang="zh-TW" altLang="en-US" sz="1400" dirty="0"/>
+              <a:t>文件，物件意旨</a:t>
+            </a:r>
+            <a:r>
+              <a:rPr lang="en-US" altLang="zh-TW" sz="1400" dirty="0"/>
+              <a:t>HTML</a:t>
+            </a:r>
+            <a:r>
+              <a:rPr lang="zh-TW" altLang="en-US" sz="1400" dirty="0"/>
+              <a:t>的元素都可以是被控制的物件，也就是指每個標籤。</a:t>
+            </a:r>
+            <a:endParaRPr lang="en-US" altLang="zh-TW" sz="1400" dirty="0"/>
+          </a:p>
+          <a:p>
+            <a:endParaRPr lang="zh-TW" altLang="en-US" sz="1400" dirty="0"/>
           </a:p>
         </p:txBody>
       </p:sp>
@@ -1191,7 +1394,7 @@
     </p:spTree>
     <p:extLst>
       <p:ext uri="{BB962C8B-B14F-4D97-AF65-F5344CB8AC3E}">
-        <p14:creationId xmlns:p14="http://schemas.microsoft.com/office/powerpoint/2010/main" val="2777034489"/>
+        <p14:creationId xmlns:p14="http://schemas.microsoft.com/office/powerpoint/2010/main" val="4028833003"/>
       </p:ext>
     </p:extLst>
   </p:cSld>
@@ -1245,7 +1448,7 @@
           <a:bodyPr/>
           <a:lstStyle/>
           <a:p>
-            <a:endParaRPr lang="zh-TW" altLang="en-US"/>
+            <a:endParaRPr lang="zh-TW" altLang="en-US" dirty="0"/>
           </a:p>
         </p:txBody>
       </p:sp>
@@ -1275,7 +1478,7 @@
     </p:spTree>
     <p:extLst>
       <p:ext uri="{BB962C8B-B14F-4D97-AF65-F5344CB8AC3E}">
-        <p14:creationId xmlns:p14="http://schemas.microsoft.com/office/powerpoint/2010/main" val="1183840442"/>
+        <p14:creationId xmlns:p14="http://schemas.microsoft.com/office/powerpoint/2010/main" val="2315958754"/>
       </p:ext>
     </p:extLst>
   </p:cSld>
@@ -1416,7 +1619,7 @@
           <a:p>
             <a:fld id="{3D8CBC75-8284-403E-92F0-16B75D676E39}" type="datetimeFigureOut">
               <a:rPr lang="zh-TW" altLang="en-US" smtClean="0"/>
-              <a:t>2020/7/24</a:t>
+              <a:t>2020/10/27</a:t>
             </a:fld>
             <a:endParaRPr lang="zh-TW" altLang="en-US"/>
           </a:p>
@@ -1544,7 +1747,7 @@
           <a:p>
             <a:fld id="{3D8CBC75-8284-403E-92F0-16B75D676E39}" type="datetimeFigureOut">
               <a:rPr lang="zh-TW" altLang="en-US" smtClean="0"/>
-              <a:t>2020/7/24</a:t>
+              <a:t>2020/10/27</a:t>
             </a:fld>
             <a:endParaRPr lang="zh-TW" altLang="en-US"/>
           </a:p>
@@ -1887,7 +2090,7 @@
           <a:p>
             <a:fld id="{3D8CBC75-8284-403E-92F0-16B75D676E39}" type="datetimeFigureOut">
               <a:rPr lang="zh-TW" altLang="en-US" smtClean="0"/>
-              <a:t>2020/7/24</a:t>
+              <a:t>2020/10/27</a:t>
             </a:fld>
             <a:endParaRPr lang="zh-TW" altLang="en-US"/>
           </a:p>
@@ -2220,7 +2423,7 @@
           <a:p>
             <a:fld id="{3D8CBC75-8284-403E-92F0-16B75D676E39}" type="datetimeFigureOut">
               <a:rPr lang="zh-TW" altLang="en-US" smtClean="0"/>
-              <a:t>2020/7/24</a:t>
+              <a:t>2020/10/27</a:t>
             </a:fld>
             <a:endParaRPr lang="zh-TW" altLang="en-US"/>
           </a:p>
@@ -2589,7 +2792,7 @@
           <a:p>
             <a:fld id="{3D8CBC75-8284-403E-92F0-16B75D676E39}" type="datetimeFigureOut">
               <a:rPr lang="zh-TW" altLang="en-US" smtClean="0"/>
-              <a:t>2020/7/24</a:t>
+              <a:t>2020/10/27</a:t>
             </a:fld>
             <a:endParaRPr lang="zh-TW" altLang="en-US"/>
           </a:p>
@@ -2812,7 +3015,7 @@
           <a:p>
             <a:fld id="{3D8CBC75-8284-403E-92F0-16B75D676E39}" type="datetimeFigureOut">
               <a:rPr lang="zh-TW" altLang="en-US" smtClean="0"/>
-              <a:t>2020/7/24</a:t>
+              <a:t>2020/10/27</a:t>
             </a:fld>
             <a:endParaRPr lang="zh-TW" altLang="en-US"/>
           </a:p>
@@ -3342,7 +3545,7 @@
           <a:p>
             <a:fld id="{3D8CBC75-8284-403E-92F0-16B75D676E39}" type="datetimeFigureOut">
               <a:rPr lang="zh-TW" altLang="en-US" smtClean="0"/>
-              <a:t>2020/7/24</a:t>
+              <a:t>2020/10/27</a:t>
             </a:fld>
             <a:endParaRPr lang="zh-TW" altLang="en-US"/>
           </a:p>
@@ -3623,7 +3826,7 @@
           <a:p>
             <a:fld id="{3D8CBC75-8284-403E-92F0-16B75D676E39}" type="datetimeFigureOut">
               <a:rPr lang="zh-TW" altLang="en-US" smtClean="0"/>
-              <a:t>2020/7/24</a:t>
+              <a:t>2020/10/27</a:t>
             </a:fld>
             <a:endParaRPr lang="zh-TW" altLang="en-US"/>
           </a:p>
@@ -3810,7 +4013,7 @@
           <a:p>
             <a:fld id="{3D8CBC75-8284-403E-92F0-16B75D676E39}" type="datetimeFigureOut">
               <a:rPr lang="zh-TW" altLang="en-US" smtClean="0"/>
-              <a:t>2020/7/24</a:t>
+              <a:t>2020/10/27</a:t>
             </a:fld>
             <a:endParaRPr lang="zh-TW" altLang="en-US"/>
           </a:p>
@@ -4212,7 +4415,7 @@
           <a:p>
             <a:fld id="{3D8CBC75-8284-403E-92F0-16B75D676E39}" type="datetimeFigureOut">
               <a:rPr lang="zh-TW" altLang="en-US" smtClean="0"/>
-              <a:t>2020/7/24</a:t>
+              <a:t>2020/10/27</a:t>
             </a:fld>
             <a:endParaRPr lang="zh-TW" altLang="en-US"/>
           </a:p>
@@ -4632,7 +4835,7 @@
           <a:p>
             <a:fld id="{3D8CBC75-8284-403E-92F0-16B75D676E39}" type="datetimeFigureOut">
               <a:rPr lang="zh-TW" altLang="en-US" smtClean="0"/>
-              <a:t>2020/7/24</a:t>
+              <a:t>2020/10/27</a:t>
             </a:fld>
             <a:endParaRPr lang="zh-TW" altLang="en-US"/>
           </a:p>
@@ -5019,7 +5222,7 @@
             <a:fld id="{3D8CBC75-8284-403E-92F0-16B75D676E39}" type="datetimeFigureOut">
               <a:rPr lang="zh-TW" altLang="en-US" smtClean="0"/>
               <a:pPr/>
-              <a:t>2020/7/24</a:t>
+              <a:t>2020/10/27</a:t>
             </a:fld>
             <a:endParaRPr lang="zh-TW" altLang="en-US" dirty="0"/>
           </a:p>
@@ -5454,6 +5657,433 @@
 </p:sld>
 </file>
 
+<file path=ppt/slides/slide10.xml><?xml version="1.0" encoding="utf-8"?>
+<p:sld xmlns:a="http://schemas.openxmlformats.org/drawingml/2006/main" xmlns:r="http://schemas.openxmlformats.org/officeDocument/2006/relationships" xmlns:p="http://schemas.openxmlformats.org/presentationml/2006/main">
+  <p:cSld>
+    <p:spTree>
+      <p:nvGrpSpPr>
+        <p:cNvPr id="1" name=""/>
+        <p:cNvGrpSpPr/>
+        <p:nvPr/>
+      </p:nvGrpSpPr>
+      <p:grpSpPr>
+        <a:xfrm>
+          <a:off x="0" y="0"/>
+          <a:ext cx="0" cy="0"/>
+          <a:chOff x="0" y="0"/>
+          <a:chExt cx="0" cy="0"/>
+        </a:xfrm>
+      </p:grpSpPr>
+      <p:sp>
+        <p:nvSpPr>
+          <p:cNvPr id="2" name="標題 1"/>
+          <p:cNvSpPr>
+            <a:spLocks noGrp="1"/>
+          </p:cNvSpPr>
+          <p:nvPr>
+            <p:ph type="title"/>
+          </p:nvPr>
+        </p:nvSpPr>
+        <p:spPr>
+          <a:xfrm>
+            <a:off x="0" y="1"/>
+            <a:ext cx="9144000" cy="836712"/>
+          </a:xfrm>
+        </p:spPr>
+        <p:txBody>
+          <a:bodyPr anchor="b">
+            <a:normAutofit/>
+          </a:bodyPr>
+          <a:lstStyle/>
+          <a:p>
+            <a:pPr algn="ctr"/>
+            <a:r>
+              <a:rPr lang="zh-TW" altLang="en-US" sz="4000">
+                <a:solidFill>
+                  <a:srgbClr val="0070C0"/>
+                </a:solidFill>
+                <a:latin typeface="微軟正黑體" panose="020B0604030504040204" pitchFamily="34" charset="-120"/>
+                <a:ea typeface="微軟正黑體" panose="020B0604030504040204" pitchFamily="34" charset="-120"/>
+              </a:rPr>
+              <a:t>作業</a:t>
+            </a:r>
+            <a:endParaRPr lang="zh-TW" altLang="en-US" sz="4000" dirty="0">
+              <a:solidFill>
+                <a:srgbClr val="0070C0"/>
+              </a:solidFill>
+              <a:latin typeface="微軟正黑體" panose="020B0604030504040204" pitchFamily="34" charset="-120"/>
+              <a:ea typeface="微軟正黑體" panose="020B0604030504040204" pitchFamily="34" charset="-120"/>
+            </a:endParaRPr>
+          </a:p>
+        </p:txBody>
+      </p:sp>
+      <p:sp>
+        <p:nvSpPr>
+          <p:cNvPr id="3" name="內容版面配置區 2"/>
+          <p:cNvSpPr>
+            <a:spLocks noGrp="1"/>
+          </p:cNvSpPr>
+          <p:nvPr>
+            <p:ph idx="1"/>
+          </p:nvPr>
+        </p:nvSpPr>
+        <p:spPr>
+          <a:xfrm>
+            <a:off x="476089" y="1253331"/>
+            <a:ext cx="8191822" cy="4351338"/>
+          </a:xfrm>
+        </p:spPr>
+        <p:txBody>
+          <a:bodyPr/>
+          <a:lstStyle/>
+          <a:p>
+            <a:r>
+              <a:rPr lang="zh-TW" altLang="en-US" dirty="0"/>
+              <a:t>目標：寫出一個</a:t>
+            </a:r>
+            <a:r>
+              <a:rPr lang="en-US" altLang="zh-TW" dirty="0"/>
+              <a:t>To-Do List</a:t>
+            </a:r>
+            <a:r>
+              <a:rPr lang="zh-TW" altLang="en-US" dirty="0"/>
+              <a:t>。</a:t>
+            </a:r>
+            <a:endParaRPr lang="en-US" altLang="zh-TW" dirty="0"/>
+          </a:p>
+          <a:p>
+            <a:r>
+              <a:rPr lang="zh-TW" altLang="en-US" dirty="0"/>
+              <a:t>所需標籤：</a:t>
+            </a:r>
+            <a:r>
+              <a:rPr lang="en-US" altLang="zh-TW" dirty="0">
+                <a:latin typeface="Consolas" panose="020B0609020204030204" pitchFamily="49" charset="0"/>
+              </a:rPr>
+              <a:t>&lt;div&gt;</a:t>
+            </a:r>
+            <a:r>
+              <a:rPr lang="zh-TW" altLang="en-US" dirty="0">
+                <a:latin typeface="Consolas" panose="020B0609020204030204" pitchFamily="49" charset="0"/>
+              </a:rPr>
+              <a:t>、</a:t>
+            </a:r>
+            <a:r>
+              <a:rPr lang="en-US" altLang="zh-TW" dirty="0">
+                <a:latin typeface="Consolas" panose="020B0609020204030204" pitchFamily="49" charset="0"/>
+              </a:rPr>
+              <a:t>&lt;input&gt;</a:t>
+            </a:r>
+            <a:r>
+              <a:rPr lang="zh-TW" altLang="en-US" dirty="0">
+                <a:latin typeface="Consolas" panose="020B0609020204030204" pitchFamily="49" charset="0"/>
+              </a:rPr>
+              <a:t>、</a:t>
+            </a:r>
+            <a:r>
+              <a:rPr lang="en-US" altLang="zh-TW" dirty="0">
+                <a:latin typeface="Consolas" panose="020B0609020204030204" pitchFamily="49" charset="0"/>
+              </a:rPr>
+              <a:t>&lt;button&gt;</a:t>
+            </a:r>
+            <a:r>
+              <a:rPr lang="zh-TW" altLang="en-US" dirty="0">
+                <a:latin typeface="Consolas" panose="020B0609020204030204" pitchFamily="49" charset="0"/>
+              </a:rPr>
+              <a:t>、</a:t>
+            </a:r>
+            <a:r>
+              <a:rPr lang="en-US" altLang="zh-TW" dirty="0">
+                <a:latin typeface="Consolas" panose="020B0609020204030204" pitchFamily="49" charset="0"/>
+              </a:rPr>
+              <a:t>&lt;ul&gt;</a:t>
+            </a:r>
+            <a:r>
+              <a:rPr lang="zh-TW" altLang="en-US" dirty="0">
+                <a:latin typeface="Consolas" panose="020B0609020204030204" pitchFamily="49" charset="0"/>
+              </a:rPr>
+              <a:t>、</a:t>
+            </a:r>
+            <a:r>
+              <a:rPr lang="en-US" altLang="zh-TW" dirty="0">
+                <a:latin typeface="Consolas" panose="020B0609020204030204" pitchFamily="49" charset="0"/>
+              </a:rPr>
+              <a:t>&lt;li&gt;</a:t>
+            </a:r>
+            <a:r>
+              <a:rPr lang="zh-TW" altLang="en-US" dirty="0">
+                <a:latin typeface="Consolas" panose="020B0609020204030204" pitchFamily="49" charset="0"/>
+              </a:rPr>
+              <a:t>、</a:t>
+            </a:r>
+            <a:r>
+              <a:rPr lang="en-US" altLang="zh-TW" dirty="0">
+                <a:latin typeface="Consolas" panose="020B0609020204030204" pitchFamily="49" charset="0"/>
+              </a:rPr>
+              <a:t>&lt;style&gt;</a:t>
+            </a:r>
+          </a:p>
+          <a:p>
+            <a:r>
+              <a:rPr lang="zh-TW" altLang="en-US" dirty="0"/>
+              <a:t>所需標籤屬性：</a:t>
+            </a:r>
+            <a:r>
+              <a:rPr lang="en-US" altLang="zh-TW" dirty="0">
+                <a:latin typeface="Consolas" panose="020B0609020204030204" pitchFamily="49" charset="0"/>
+              </a:rPr>
+              <a:t>class</a:t>
+            </a:r>
+            <a:r>
+              <a:rPr lang="zh-TW" altLang="en-US" dirty="0">
+                <a:latin typeface="Consolas" panose="020B0609020204030204" pitchFamily="49" charset="0"/>
+              </a:rPr>
+              <a:t>、</a:t>
+            </a:r>
+            <a:r>
+              <a:rPr lang="en-US" altLang="zh-TW" dirty="0">
+                <a:latin typeface="Consolas" panose="020B0609020204030204" pitchFamily="49" charset="0"/>
+              </a:rPr>
+              <a:t>id</a:t>
+            </a:r>
+          </a:p>
+          <a:p>
+            <a:r>
+              <a:rPr lang="zh-TW" altLang="en-US" dirty="0">
+                <a:latin typeface="Consolas" panose="020B0609020204030204" pitchFamily="49" charset="0"/>
+              </a:rPr>
+              <a:t>所需</a:t>
+            </a:r>
+            <a:r>
+              <a:rPr lang="en-US" altLang="zh-TW" dirty="0">
+                <a:latin typeface="Consolas" panose="020B0609020204030204" pitchFamily="49" charset="0"/>
+              </a:rPr>
+              <a:t>JS</a:t>
+            </a:r>
+            <a:r>
+              <a:rPr lang="zh-TW" altLang="en-US" dirty="0">
+                <a:latin typeface="Consolas" panose="020B0609020204030204" pitchFamily="49" charset="0"/>
+              </a:rPr>
+              <a:t>語法：</a:t>
+            </a:r>
+            <a:r>
+              <a:rPr lang="en-US" altLang="zh-TW" dirty="0" err="1">
+                <a:latin typeface="Consolas" panose="020B0609020204030204" pitchFamily="49" charset="0"/>
+              </a:rPr>
+              <a:t>document.getElementById</a:t>
+            </a:r>
+            <a:r>
+              <a:rPr lang="en-US" altLang="zh-TW" dirty="0">
+                <a:latin typeface="Consolas" panose="020B0609020204030204" pitchFamily="49" charset="0"/>
+              </a:rPr>
+              <a:t>()</a:t>
+            </a:r>
+            <a:r>
+              <a:rPr lang="zh-TW" altLang="en-US" dirty="0">
+                <a:latin typeface="Consolas" panose="020B0609020204030204" pitchFamily="49" charset="0"/>
+              </a:rPr>
+              <a:t>、</a:t>
+            </a:r>
+            <a:r>
+              <a:rPr lang="en-US" altLang="zh-TW" dirty="0" err="1">
+                <a:latin typeface="Consolas" panose="020B0609020204030204" pitchFamily="49" charset="0"/>
+              </a:rPr>
+              <a:t>document.createElement</a:t>
+            </a:r>
+            <a:r>
+              <a:rPr lang="en-US" altLang="zh-TW" dirty="0">
+                <a:latin typeface="Consolas" panose="020B0609020204030204" pitchFamily="49" charset="0"/>
+              </a:rPr>
+              <a:t>()</a:t>
+            </a:r>
+            <a:r>
+              <a:rPr lang="zh-TW" altLang="en-US" dirty="0">
+                <a:latin typeface="Consolas" panose="020B0609020204030204" pitchFamily="49" charset="0"/>
+              </a:rPr>
+              <a:t>、</a:t>
+            </a:r>
+            <a:r>
+              <a:rPr lang="en-US" altLang="zh-TW" dirty="0" err="1">
+                <a:latin typeface="Consolas" panose="020B0609020204030204" pitchFamily="49" charset="0"/>
+              </a:rPr>
+              <a:t>innerHTML</a:t>
+            </a:r>
+            <a:r>
+              <a:rPr lang="zh-TW" altLang="en-US" dirty="0">
+                <a:latin typeface="Consolas" panose="020B0609020204030204" pitchFamily="49" charset="0"/>
+              </a:rPr>
+              <a:t>、</a:t>
+            </a:r>
+            <a:r>
+              <a:rPr lang="en" altLang="zh-TW" dirty="0" err="1"/>
+              <a:t>addEventListener</a:t>
+            </a:r>
+            <a:r>
+              <a:rPr lang="en-US" altLang="zh-TW" dirty="0">
+                <a:latin typeface="Consolas" panose="020B0609020204030204" pitchFamily="49" charset="0"/>
+              </a:rPr>
+              <a:t>()</a:t>
+            </a:r>
+            <a:endParaRPr lang="en" altLang="zh-TW" dirty="0"/>
+          </a:p>
+        </p:txBody>
+      </p:sp>
+    </p:spTree>
+    <p:extLst>
+      <p:ext uri="{BB962C8B-B14F-4D97-AF65-F5344CB8AC3E}">
+        <p14:creationId xmlns:p14="http://schemas.microsoft.com/office/powerpoint/2010/main" val="1594041963"/>
+      </p:ext>
+    </p:extLst>
+  </p:cSld>
+  <p:clrMapOvr>
+    <a:masterClrMapping/>
+  </p:clrMapOvr>
+</p:sld>
+</file>
+
+<file path=ppt/slides/slide11.xml><?xml version="1.0" encoding="utf-8"?>
+<p:sld xmlns:a="http://schemas.openxmlformats.org/drawingml/2006/main" xmlns:r="http://schemas.openxmlformats.org/officeDocument/2006/relationships" xmlns:p="http://schemas.openxmlformats.org/presentationml/2006/main">
+  <p:cSld>
+    <p:spTree>
+      <p:nvGrpSpPr>
+        <p:cNvPr id="1" name=""/>
+        <p:cNvGrpSpPr/>
+        <p:nvPr/>
+      </p:nvGrpSpPr>
+      <p:grpSpPr>
+        <a:xfrm>
+          <a:off x="0" y="0"/>
+          <a:ext cx="0" cy="0"/>
+          <a:chOff x="0" y="0"/>
+          <a:chExt cx="0" cy="0"/>
+        </a:xfrm>
+      </p:grpSpPr>
+      <p:sp>
+        <p:nvSpPr>
+          <p:cNvPr id="2" name="標題 1"/>
+          <p:cNvSpPr>
+            <a:spLocks noGrp="1"/>
+          </p:cNvSpPr>
+          <p:nvPr>
+            <p:ph type="title"/>
+          </p:nvPr>
+        </p:nvSpPr>
+        <p:spPr>
+          <a:xfrm>
+            <a:off x="0" y="1"/>
+            <a:ext cx="9144000" cy="836712"/>
+          </a:xfrm>
+        </p:spPr>
+        <p:txBody>
+          <a:bodyPr anchor="b">
+            <a:normAutofit/>
+          </a:bodyPr>
+          <a:lstStyle/>
+          <a:p>
+            <a:pPr algn="ctr"/>
+            <a:r>
+              <a:rPr lang="zh-TW" altLang="en-US" sz="4000" dirty="0">
+                <a:solidFill>
+                  <a:srgbClr val="0070C0"/>
+                </a:solidFill>
+                <a:latin typeface="微軟正黑體" panose="020B0604030504040204" pitchFamily="34" charset="-120"/>
+                <a:ea typeface="微軟正黑體" panose="020B0604030504040204" pitchFamily="34" charset="-120"/>
+              </a:rPr>
+              <a:t>心得回饋</a:t>
+            </a:r>
+          </a:p>
+        </p:txBody>
+      </p:sp>
+      <p:sp>
+        <p:nvSpPr>
+          <p:cNvPr id="4" name="矩形 3"/>
+          <p:cNvSpPr/>
+          <p:nvPr/>
+        </p:nvSpPr>
+        <p:spPr>
+          <a:xfrm>
+            <a:off x="2664939" y="5435431"/>
+            <a:ext cx="3814121" cy="369332"/>
+          </a:xfrm>
+          <a:prstGeom prst="rect">
+            <a:avLst/>
+          </a:prstGeom>
+        </p:spPr>
+        <p:txBody>
+          <a:bodyPr wrap="none">
+            <a:spAutoFit/>
+          </a:bodyPr>
+          <a:lstStyle/>
+          <a:p>
+            <a:r>
+              <a:rPr lang="zh-TW" altLang="en-US" dirty="0">
+                <a:hlinkClick r:id="rId3"/>
+              </a:rPr>
+              <a:t>https://forms.gle/NdrrW86jgbSJaeYQ7</a:t>
+            </a:r>
+            <a:endParaRPr lang="zh-TW" altLang="en-US" dirty="0"/>
+          </a:p>
+        </p:txBody>
+      </p:sp>
+      <p:pic>
+        <p:nvPicPr>
+          <p:cNvPr id="4098" name="Picture 2" descr="http://s04.calm9.com/qrcode/2019-10/TCTZTH0BG2.png"/>
+          <p:cNvPicPr>
+            <a:picLocks noGrp="1" noChangeAspect="1" noChangeArrowheads="1"/>
+          </p:cNvPicPr>
+          <p:nvPr>
+            <p:ph idx="1"/>
+          </p:nvPr>
+        </p:nvPicPr>
+        <p:blipFill>
+          <a:blip r:embed="rId4">
+            <a:extLst>
+              <a:ext uri="{28A0092B-C50C-407E-A947-70E740481C1C}">
+                <a14:useLocalDpi xmlns:a14="http://schemas.microsoft.com/office/drawing/2010/main" val="0"/>
+              </a:ext>
+            </a:extLst>
+          </a:blip>
+          <a:srcRect/>
+          <a:stretch>
+            <a:fillRect/>
+          </a:stretch>
+        </p:blipFill>
+        <p:spPr bwMode="auto">
+          <a:xfrm>
+            <a:off x="2339751" y="995933"/>
+            <a:ext cx="4464498" cy="4464498"/>
+          </a:xfrm>
+          <a:prstGeom prst="rect">
+            <a:avLst/>
+          </a:prstGeom>
+          <a:noFill/>
+          <a:effectLst>
+            <a:softEdge rad="127000"/>
+          </a:effectLst>
+          <a:extLst>
+            <a:ext uri="{909E8E84-426E-40DD-AFC4-6F175D3DCCD1}">
+              <a14:hiddenFill xmlns:a14="http://schemas.microsoft.com/office/drawing/2010/main">
+                <a:solidFill>
+                  <a:srgbClr val="FFFFFF"/>
+                </a:solidFill>
+              </a14:hiddenFill>
+            </a:ext>
+          </a:extLst>
+        </p:spPr>
+      </p:pic>
+    </p:spTree>
+    <p:extLst>
+      <p:ext uri="{BB962C8B-B14F-4D97-AF65-F5344CB8AC3E}">
+        <p14:creationId xmlns:p14="http://schemas.microsoft.com/office/powerpoint/2010/main" val="379571826"/>
+      </p:ext>
+    </p:extLst>
+  </p:cSld>
+  <p:clrMapOvr>
+    <a:masterClrMapping/>
+  </p:clrMapOvr>
+</p:sld>
+</file>
+
 <file path=ppt/slides/slide2.xml><?xml version="1.0" encoding="utf-8"?>
 <p:sld xmlns:a="http://schemas.openxmlformats.org/drawingml/2006/main" xmlns:r="http://schemas.openxmlformats.org/officeDocument/2006/relationships" xmlns:p="http://schemas.openxmlformats.org/presentationml/2006/main">
   <p:cSld>
@@ -5502,7 +6132,7 @@
                 <a:latin typeface="微軟正黑體" panose="020B0604030504040204" pitchFamily="34" charset="-120"/>
                 <a:ea typeface="微軟正黑體" panose="020B0604030504040204" pitchFamily="34" charset="-120"/>
               </a:rPr>
-              <a:t>JavaScript</a:t>
+              <a:t>JavaScript  DOM</a:t>
             </a:r>
             <a:endParaRPr lang="zh-TW" altLang="en-US" sz="4000" dirty="0">
               <a:solidFill>
@@ -5956,7 +6586,25 @@
                 </a:solidFill>
                 <a:latin typeface="微軟正黑體" panose="020B0604030504040204" pitchFamily="34" charset="-120"/>
               </a:rPr>
-              <a:t>裡的目標元素</a:t>
+              <a:t>裡的目標元素（</a:t>
+            </a:r>
+            <a:r>
+              <a:rPr lang="en-US" altLang="zh-TW" sz="4000" dirty="0">
+                <a:solidFill>
+                  <a:srgbClr val="0070C0"/>
+                </a:solidFill>
+                <a:latin typeface="微軟正黑體" panose="020B0604030504040204" pitchFamily="34" charset="-120"/>
+              </a:rPr>
+              <a:t>Element</a:t>
+            </a:r>
+            <a:r>
+              <a:rPr lang="zh-TW" altLang="en-US" sz="4000" dirty="0">
+                <a:solidFill>
+                  <a:srgbClr val="0070C0"/>
+                </a:solidFill>
+                <a:latin typeface="微軟正黑體" panose="020B0604030504040204" pitchFamily="34" charset="-120"/>
+              </a:rPr>
+              <a:t>）</a:t>
             </a:r>
             <a:endParaRPr lang="zh-TW" altLang="en-US" sz="4000" dirty="0">
               <a:solidFill>
@@ -6051,56 +6699,67 @@
               <a:buNone/>
             </a:pPr>
             <a:r>
-              <a:rPr lang="en-US" altLang="zh-TW" sz="2900" dirty="0" err="1">
+              <a:rPr lang="en-US" altLang="zh-TW" sz="2500" dirty="0" err="1">
                 <a:solidFill>
                   <a:srgbClr val="0070C0"/>
                 </a:solidFill>
-                <a:latin typeface="微軟正黑體" panose="020B0604030504040204" pitchFamily="34" charset="-120"/>
+                <a:latin typeface="Menlo" panose="020B0609030804020204" pitchFamily="49" charset="0"/>
+                <a:ea typeface="Menlo" panose="020B0609030804020204" pitchFamily="49" charset="0"/>
+                <a:cs typeface="Menlo" panose="020B0609030804020204" pitchFamily="49" charset="0"/>
               </a:rPr>
               <a:t>document.getElementsBy</a:t>
             </a:r>
             <a:r>
-              <a:rPr lang="en-US" altLang="zh-TW" sz="2900" dirty="0" err="1">
+              <a:rPr lang="en-US" altLang="zh-TW" sz="2500" dirty="0" err="1">
                 <a:solidFill>
                   <a:srgbClr val="FF0000"/>
                 </a:solidFill>
-                <a:latin typeface="微軟正黑體" panose="020B0604030504040204" pitchFamily="34" charset="-120"/>
+                <a:latin typeface="Menlo" panose="020B0609030804020204" pitchFamily="49" charset="0"/>
+                <a:ea typeface="Menlo" panose="020B0609030804020204" pitchFamily="49" charset="0"/>
+                <a:cs typeface="Menlo" panose="020B0609030804020204" pitchFamily="49" charset="0"/>
               </a:rPr>
               <a:t>ClassName</a:t>
             </a:r>
             <a:r>
-              <a:rPr lang="en-US" altLang="zh-TW" sz="2900" dirty="0">
+              <a:rPr lang="en-US" altLang="zh-TW" sz="2500" dirty="0">
                 <a:solidFill>
                   <a:srgbClr val="0070C0"/>
                 </a:solidFill>
-                <a:latin typeface="微軟正黑體" panose="020B0604030504040204" pitchFamily="34" charset="-120"/>
+                <a:latin typeface="Menlo" panose="020B0609030804020204" pitchFamily="49" charset="0"/>
+                <a:ea typeface="Menlo" panose="020B0609030804020204" pitchFamily="49" charset="0"/>
+                <a:cs typeface="Menlo" panose="020B0609030804020204" pitchFamily="49" charset="0"/>
               </a:rPr>
               <a:t>("</a:t>
             </a:r>
             <a:r>
-              <a:rPr lang="en-US" altLang="zh-TW" sz="2900" dirty="0">
+              <a:rPr lang="en-US" altLang="zh-TW" sz="2500" dirty="0">
                 <a:solidFill>
                   <a:srgbClr val="FF0000"/>
                 </a:solidFill>
-                <a:latin typeface="微軟正黑體" panose="020B0604030504040204" pitchFamily="34" charset="-120"/>
+                <a:latin typeface="Menlo" panose="020B0609030804020204" pitchFamily="49" charset="0"/>
+                <a:ea typeface="Menlo" panose="020B0609030804020204" pitchFamily="49" charset="0"/>
+                <a:cs typeface="Menlo" panose="020B0609030804020204" pitchFamily="49" charset="0"/>
               </a:rPr>
               <a:t>class</a:t>
             </a:r>
             <a:r>
-              <a:rPr lang="zh-TW" altLang="en-US" sz="2900" dirty="0">
+              <a:rPr lang="zh-TW" altLang="en-US" sz="2500" dirty="0">
                 <a:solidFill>
                   <a:srgbClr val="FF0000"/>
                 </a:solidFill>
-                <a:latin typeface="微軟正黑體" panose="020B0604030504040204" pitchFamily="34" charset="-120"/>
+                <a:latin typeface="Menlo" panose="020B0609030804020204" pitchFamily="49" charset="0"/>
+                <a:cs typeface="Menlo" panose="020B0609030804020204" pitchFamily="49" charset="0"/>
               </a:rPr>
               <a:t> 名稱</a:t>
             </a:r>
             <a:r>
-              <a:rPr lang="en-US" altLang="zh-TW" sz="2900" dirty="0">
+              <a:rPr lang="en-US" altLang="zh-TW" sz="2500" dirty="0">
                 <a:solidFill>
                   <a:srgbClr val="0070C0"/>
                 </a:solidFill>
-                <a:latin typeface="微軟正黑體" panose="020B0604030504040204" pitchFamily="34" charset="-120"/>
+                <a:latin typeface="Menlo" panose="020B0609030804020204" pitchFamily="49" charset="0"/>
+                <a:ea typeface="Menlo" panose="020B0609030804020204" pitchFamily="49" charset="0"/>
+                <a:cs typeface="Menlo" panose="020B0609030804020204" pitchFamily="49" charset="0"/>
               </a:rPr>
               <a:t>")</a:t>
             </a:r>
@@ -6527,7 +7186,25 @@
                 </a:solidFill>
                 <a:latin typeface="微軟正黑體" panose="020B0604030504040204" pitchFamily="34" charset="-120"/>
               </a:rPr>
-              <a:t>裡的目標元素</a:t>
+              <a:t>裡的目標元素（</a:t>
+            </a:r>
+            <a:r>
+              <a:rPr lang="en-US" altLang="zh-TW" sz="4000" dirty="0">
+                <a:solidFill>
+                  <a:srgbClr val="0070C0"/>
+                </a:solidFill>
+                <a:latin typeface="微軟正黑體" panose="020B0604030504040204" pitchFamily="34" charset="-120"/>
+              </a:rPr>
+              <a:t>Element</a:t>
+            </a:r>
+            <a:r>
+              <a:rPr lang="zh-TW" altLang="en-US" sz="4000" dirty="0">
+                <a:solidFill>
+                  <a:srgbClr val="0070C0"/>
+                </a:solidFill>
+                <a:latin typeface="微軟正黑體" panose="020B0604030504040204" pitchFamily="34" charset="-120"/>
+              </a:rPr>
+              <a:t>）</a:t>
             </a:r>
             <a:endParaRPr lang="zh-TW" altLang="en-US" sz="4000" dirty="0">
               <a:solidFill>
@@ -6617,7 +7294,9 @@
                 <a:solidFill>
                   <a:srgbClr val="0070C0"/>
                 </a:solidFill>
-                <a:latin typeface="微軟正黑體" panose="020B0604030504040204" pitchFamily="34" charset="-120"/>
+                <a:latin typeface="Menlo" panose="020B0609030804020204" pitchFamily="49" charset="0"/>
+                <a:ea typeface="Menlo" panose="020B0609030804020204" pitchFamily="49" charset="0"/>
+                <a:cs typeface="Menlo" panose="020B0609030804020204" pitchFamily="49" charset="0"/>
               </a:rPr>
               <a:t>document.getElementBy</a:t>
             </a:r>
@@ -6626,7 +7305,9 @@
                 <a:solidFill>
                   <a:srgbClr val="FF0000"/>
                 </a:solidFill>
-                <a:latin typeface="微軟正黑體" panose="020B0604030504040204" pitchFamily="34" charset="-120"/>
+                <a:latin typeface="Menlo" panose="020B0609030804020204" pitchFamily="49" charset="0"/>
+                <a:ea typeface="Menlo" panose="020B0609030804020204" pitchFamily="49" charset="0"/>
+                <a:cs typeface="Menlo" panose="020B0609030804020204" pitchFamily="49" charset="0"/>
               </a:rPr>
               <a:t>Id</a:t>
             </a:r>
@@ -6635,7 +7316,9 @@
                 <a:solidFill>
                   <a:srgbClr val="0070C0"/>
                 </a:solidFill>
-                <a:latin typeface="微軟正黑體" panose="020B0604030504040204" pitchFamily="34" charset="-120"/>
+                <a:latin typeface="Menlo" panose="020B0609030804020204" pitchFamily="49" charset="0"/>
+                <a:ea typeface="Menlo" panose="020B0609030804020204" pitchFamily="49" charset="0"/>
+                <a:cs typeface="Menlo" panose="020B0609030804020204" pitchFamily="49" charset="0"/>
               </a:rPr>
               <a:t>("</a:t>
             </a:r>
@@ -6644,7 +7327,9 @@
                 <a:solidFill>
                   <a:srgbClr val="FF0000"/>
                 </a:solidFill>
-                <a:latin typeface="微軟正黑體" panose="020B0604030504040204" pitchFamily="34" charset="-120"/>
+                <a:latin typeface="Menlo" panose="020B0609030804020204" pitchFamily="49" charset="0"/>
+                <a:ea typeface="Menlo" panose="020B0609030804020204" pitchFamily="49" charset="0"/>
+                <a:cs typeface="Menlo" panose="020B0609030804020204" pitchFamily="49" charset="0"/>
               </a:rPr>
               <a:t>id</a:t>
             </a:r>
@@ -6653,7 +7338,9 @@
                 <a:solidFill>
                   <a:srgbClr val="0070C0"/>
                 </a:solidFill>
-                <a:latin typeface="微軟正黑體" panose="020B0604030504040204" pitchFamily="34" charset="-120"/>
+                <a:latin typeface="Menlo" panose="020B0609030804020204" pitchFamily="49" charset="0"/>
+                <a:ea typeface="Menlo" panose="020B0609030804020204" pitchFamily="49" charset="0"/>
+                <a:cs typeface="Menlo" panose="020B0609030804020204" pitchFamily="49" charset="0"/>
               </a:rPr>
               <a:t>")</a:t>
             </a:r>
@@ -7038,8 +7725,8 @@
         </p:nvSpPr>
         <p:spPr>
           <a:xfrm>
-            <a:off x="251520" y="1124744"/>
-            <a:ext cx="8640960" cy="5052219"/>
+            <a:off x="-1" y="1141417"/>
+            <a:ext cx="9144001" cy="5052219"/>
           </a:xfrm>
         </p:spPr>
         <p:txBody>
@@ -7057,43 +7744,42 @@
                 <a:solidFill>
                   <a:srgbClr val="0070C0"/>
                 </a:solidFill>
-                <a:latin typeface="微軟正黑體" panose="020B0604030504040204" pitchFamily="34" charset="-120"/>
-              </a:rPr>
-              <a:t>HTMLElement</a:t>
+                <a:latin typeface="Menlo" panose="020B0609030804020204" pitchFamily="49" charset="0"/>
+                <a:ea typeface="Menlo" panose="020B0609030804020204" pitchFamily="49" charset="0"/>
+                <a:cs typeface="Menlo" panose="020B0609030804020204" pitchFamily="49" charset="0"/>
+              </a:rPr>
+              <a:t>HTMLElement.</a:t>
+            </a:r>
+            <a:r>
+              <a:rPr lang="en-US" altLang="zh-TW" sz="2500" dirty="0" err="1">
+                <a:solidFill>
+                  <a:srgbClr val="00B050"/>
+                </a:solidFill>
+                <a:latin typeface="Menlo" panose="020B0609030804020204" pitchFamily="49" charset="0"/>
+                <a:ea typeface="Menlo" panose="020B0609030804020204" pitchFamily="49" charset="0"/>
+                <a:cs typeface="Menlo" panose="020B0609030804020204" pitchFamily="49" charset="0"/>
+              </a:rPr>
+              <a:t>innerHTML</a:t>
             </a:r>
             <a:r>
               <a:rPr lang="en-US" altLang="zh-TW" sz="2500" dirty="0">
                 <a:solidFill>
                   <a:srgbClr val="0070C0"/>
                 </a:solidFill>
-                <a:latin typeface="微軟正黑體" panose="020B0604030504040204" pitchFamily="34" charset="-120"/>
-              </a:rPr>
-              <a:t> . </a:t>
-            </a:r>
-            <a:r>
-              <a:rPr lang="en-US" altLang="zh-TW" sz="2500" dirty="0" err="1">
-                <a:solidFill>
-                  <a:srgbClr val="00B050"/>
-                </a:solidFill>
-                <a:latin typeface="微軟正黑體" panose="020B0604030504040204" pitchFamily="34" charset="-120"/>
-              </a:rPr>
-              <a:t>innerHTML</a:t>
+                <a:latin typeface="Menlo" panose="020B0609030804020204" pitchFamily="49" charset="0"/>
+                <a:ea typeface="Menlo" panose="020B0609030804020204" pitchFamily="49" charset="0"/>
+                <a:cs typeface="Menlo" panose="020B0609030804020204" pitchFamily="49" charset="0"/>
+              </a:rPr>
+              <a:t> = </a:t>
             </a:r>
             <a:r>
               <a:rPr lang="en-US" altLang="zh-TW" sz="2500" dirty="0">
                 <a:solidFill>
-                  <a:srgbClr val="0070C0"/>
-                </a:solidFill>
-                <a:latin typeface="微軟正黑體" panose="020B0604030504040204" pitchFamily="34" charset="-120"/>
-              </a:rPr>
-              <a:t> = </a:t>
-            </a:r>
-            <a:r>
-              <a:rPr lang="en-US" altLang="zh-TW" sz="2500" dirty="0">
-                <a:solidFill>
                   <a:schemeClr val="accent2"/>
                 </a:solidFill>
-                <a:latin typeface="微軟正黑體" panose="020B0604030504040204" pitchFamily="34" charset="-120"/>
+                <a:latin typeface="Menlo" panose="020B0609030804020204" pitchFamily="49" charset="0"/>
+                <a:ea typeface="Menlo" panose="020B0609030804020204" pitchFamily="49" charset="0"/>
+                <a:cs typeface="Menlo" panose="020B0609030804020204" pitchFamily="49" charset="0"/>
               </a:rPr>
               <a:t>""</a:t>
             </a:r>
@@ -7106,83 +7792,90 @@
               <a:buNone/>
             </a:pPr>
             <a:r>
+              <a:rPr lang="en-US" altLang="zh-TW" sz="2000" dirty="0" err="1">
+                <a:solidFill>
+                  <a:srgbClr val="0070C0"/>
+                </a:solidFill>
+                <a:latin typeface="Menlo" panose="020B0609030804020204" pitchFamily="49" charset="0"/>
+                <a:ea typeface="Menlo" panose="020B0609030804020204" pitchFamily="49" charset="0"/>
+                <a:cs typeface="Menlo" panose="020B0609030804020204" pitchFamily="49" charset="0"/>
+              </a:rPr>
+              <a:t>document.getElementBy</a:t>
+            </a:r>
+            <a:r>
+              <a:rPr lang="en-US" altLang="zh-TW" sz="2000" dirty="0" err="1">
+                <a:solidFill>
+                  <a:srgbClr val="FF0000"/>
+                </a:solidFill>
+                <a:latin typeface="Menlo" panose="020B0609030804020204" pitchFamily="49" charset="0"/>
+                <a:ea typeface="Menlo" panose="020B0609030804020204" pitchFamily="49" charset="0"/>
+                <a:cs typeface="Menlo" panose="020B0609030804020204" pitchFamily="49" charset="0"/>
+              </a:rPr>
+              <a:t>Id</a:t>
+            </a:r>
+            <a:r>
               <a:rPr lang="en-US" altLang="zh-TW" sz="2000" dirty="0">
                 <a:solidFill>
                   <a:srgbClr val="0070C0"/>
                 </a:solidFill>
-                <a:latin typeface="微軟正黑體" panose="020B0604030504040204" pitchFamily="34" charset="-120"/>
-              </a:rPr>
-              <a:t>document . </a:t>
+                <a:latin typeface="Menlo" panose="020B0609030804020204" pitchFamily="49" charset="0"/>
+                <a:ea typeface="Menlo" panose="020B0609030804020204" pitchFamily="49" charset="0"/>
+                <a:cs typeface="Menlo" panose="020B0609030804020204" pitchFamily="49" charset="0"/>
+              </a:rPr>
+              <a:t>("</a:t>
+            </a:r>
+            <a:r>
+              <a:rPr lang="en-US" altLang="zh-TW" sz="2000" dirty="0">
+                <a:solidFill>
+                  <a:srgbClr val="FF0000"/>
+                </a:solidFill>
+                <a:latin typeface="Menlo" panose="020B0609030804020204" pitchFamily="49" charset="0"/>
+                <a:ea typeface="Menlo" panose="020B0609030804020204" pitchFamily="49" charset="0"/>
+                <a:cs typeface="Menlo" panose="020B0609030804020204" pitchFamily="49" charset="0"/>
+              </a:rPr>
+              <a:t>id</a:t>
+            </a:r>
+            <a:r>
+              <a:rPr lang="en-US" altLang="zh-TW" sz="2000" dirty="0">
+                <a:solidFill>
+                  <a:srgbClr val="0070C0"/>
+                </a:solidFill>
+                <a:latin typeface="Menlo" panose="020B0609030804020204" pitchFamily="49" charset="0"/>
+                <a:ea typeface="Menlo" panose="020B0609030804020204" pitchFamily="49" charset="0"/>
+                <a:cs typeface="Menlo" panose="020B0609030804020204" pitchFamily="49" charset="0"/>
+              </a:rPr>
+              <a:t>").</a:t>
             </a:r>
             <a:r>
               <a:rPr lang="en-US" altLang="zh-TW" sz="2000" dirty="0" err="1">
                 <a:solidFill>
+                  <a:srgbClr val="00B050"/>
+                </a:solidFill>
+                <a:latin typeface="Menlo" panose="020B0609030804020204" pitchFamily="49" charset="0"/>
+                <a:ea typeface="Menlo" panose="020B0609030804020204" pitchFamily="49" charset="0"/>
+                <a:cs typeface="Menlo" panose="020B0609030804020204" pitchFamily="49" charset="0"/>
+              </a:rPr>
+              <a:t>innerHTML</a:t>
+            </a:r>
+            <a:r>
+              <a:rPr lang="en-US" altLang="zh-TW" sz="2000" dirty="0">
+                <a:solidFill>
                   <a:srgbClr val="0070C0"/>
                 </a:solidFill>
-                <a:latin typeface="微軟正黑體" panose="020B0604030504040204" pitchFamily="34" charset="-120"/>
-              </a:rPr>
-              <a:t>getElementBy</a:t>
-            </a:r>
-            <a:r>
-              <a:rPr lang="en-US" altLang="zh-TW" sz="2000" dirty="0" err="1">
-                <a:solidFill>
-                  <a:srgbClr val="FF0000"/>
-                </a:solidFill>
-                <a:latin typeface="微軟正黑體" panose="020B0604030504040204" pitchFamily="34" charset="-120"/>
-              </a:rPr>
-              <a:t>Id</a:t>
+                <a:latin typeface="Menlo" panose="020B0609030804020204" pitchFamily="49" charset="0"/>
+                <a:ea typeface="Menlo" panose="020B0609030804020204" pitchFamily="49" charset="0"/>
+                <a:cs typeface="Menlo" panose="020B0609030804020204" pitchFamily="49" charset="0"/>
+              </a:rPr>
+              <a:t> = </a:t>
             </a:r>
             <a:r>
               <a:rPr lang="en-US" altLang="zh-TW" sz="2000" dirty="0">
                 <a:solidFill>
-                  <a:srgbClr val="0070C0"/>
-                </a:solidFill>
-                <a:latin typeface="微軟正黑體" panose="020B0604030504040204" pitchFamily="34" charset="-120"/>
-              </a:rPr>
-              <a:t>("</a:t>
-            </a:r>
-            <a:r>
-              <a:rPr lang="en-US" altLang="zh-TW" sz="2000" dirty="0">
-                <a:solidFill>
-                  <a:srgbClr val="FF0000"/>
-                </a:solidFill>
-                <a:latin typeface="微軟正黑體" panose="020B0604030504040204" pitchFamily="34" charset="-120"/>
-              </a:rPr>
-              <a:t>id</a:t>
-            </a:r>
-            <a:r>
-              <a:rPr lang="en-US" altLang="zh-TW" sz="2000" dirty="0">
-                <a:solidFill>
-                  <a:srgbClr val="0070C0"/>
-                </a:solidFill>
-                <a:latin typeface="微軟正黑體" panose="020B0604030504040204" pitchFamily="34" charset="-120"/>
-              </a:rPr>
-              <a:t>") . </a:t>
-            </a:r>
-            <a:r>
-              <a:rPr lang="en-US" altLang="zh-TW" sz="2000" dirty="0" err="1">
-                <a:solidFill>
-                  <a:srgbClr val="00B050"/>
-                </a:solidFill>
-                <a:latin typeface="微軟正黑體" panose="020B0604030504040204" pitchFamily="34" charset="-120"/>
-              </a:rPr>
-              <a:t>innerHTML</a:t>
-            </a:r>
-            <a:r>
-              <a:rPr lang="en-US" altLang="zh-TW" sz="2000" dirty="0">
-                <a:solidFill>
-                  <a:srgbClr val="0070C0"/>
-                </a:solidFill>
-                <a:latin typeface="微軟正黑體" panose="020B0604030504040204" pitchFamily="34" charset="-120"/>
-              </a:rPr>
-              <a:t> = </a:t>
-            </a:r>
-            <a:r>
-              <a:rPr lang="en-US" altLang="zh-TW" sz="2000" dirty="0">
-                <a:solidFill>
                   <a:schemeClr val="accent2"/>
                 </a:solidFill>
-                <a:latin typeface="微軟正黑體" panose="020B0604030504040204" pitchFamily="34" charset="-120"/>
+                <a:latin typeface="Menlo" panose="020B0609030804020204" pitchFamily="49" charset="0"/>
+                <a:ea typeface="Menlo" panose="020B0609030804020204" pitchFamily="49" charset="0"/>
+                <a:cs typeface="Menlo" panose="020B0609030804020204" pitchFamily="49" charset="0"/>
               </a:rPr>
               <a:t>"Hello"</a:t>
             </a:r>
@@ -7195,83 +7888,90 @@
               <a:buNone/>
             </a:pPr>
             <a:r>
-              <a:rPr lang="en-US" altLang="zh-TW" sz="2000" dirty="0">
+              <a:rPr lang="en-US" altLang="zh-TW" sz="1900" dirty="0" err="1">
                 <a:solidFill>
                   <a:srgbClr val="0070C0"/>
                 </a:solidFill>
-                <a:latin typeface="微軟正黑體" panose="020B0604030504040204" pitchFamily="34" charset="-120"/>
-              </a:rPr>
-              <a:t>document . </a:t>
-            </a:r>
-            <a:r>
-              <a:rPr lang="en-US" altLang="zh-TW" sz="2000" dirty="0" err="1">
+                <a:latin typeface="Menlo" panose="020B0609030804020204" pitchFamily="49" charset="0"/>
+                <a:ea typeface="Menlo" panose="020B0609030804020204" pitchFamily="49" charset="0"/>
+                <a:cs typeface="Menlo" panose="020B0609030804020204" pitchFamily="49" charset="0"/>
+              </a:rPr>
+              <a:t>document.getElementsBy</a:t>
+            </a:r>
+            <a:r>
+              <a:rPr lang="en-US" altLang="zh-TW" sz="1900" dirty="0" err="1">
+                <a:solidFill>
+                  <a:srgbClr val="FF0000"/>
+                </a:solidFill>
+                <a:latin typeface="Menlo" panose="020B0609030804020204" pitchFamily="49" charset="0"/>
+                <a:ea typeface="Menlo" panose="020B0609030804020204" pitchFamily="49" charset="0"/>
+                <a:cs typeface="Menlo" panose="020B0609030804020204" pitchFamily="49" charset="0"/>
+              </a:rPr>
+              <a:t>ClassName</a:t>
+            </a:r>
+            <a:r>
+              <a:rPr lang="en-US" altLang="zh-TW" sz="1900" dirty="0">
                 <a:solidFill>
                   <a:srgbClr val="0070C0"/>
                 </a:solidFill>
-                <a:latin typeface="微軟正黑體" panose="020B0604030504040204" pitchFamily="34" charset="-120"/>
-              </a:rPr>
-              <a:t>getElementsBy</a:t>
-            </a:r>
-            <a:r>
-              <a:rPr lang="en-US" altLang="zh-TW" sz="2000" dirty="0" err="1">
+                <a:latin typeface="Menlo" panose="020B0609030804020204" pitchFamily="49" charset="0"/>
+                <a:ea typeface="Menlo" panose="020B0609030804020204" pitchFamily="49" charset="0"/>
+                <a:cs typeface="Menlo" panose="020B0609030804020204" pitchFamily="49" charset="0"/>
+              </a:rPr>
+              <a:t>("</a:t>
+            </a:r>
+            <a:r>
+              <a:rPr lang="en-US" altLang="zh-TW" sz="1900" dirty="0">
                 <a:solidFill>
                   <a:srgbClr val="FF0000"/>
                 </a:solidFill>
-                <a:latin typeface="微軟正黑體" panose="020B0604030504040204" pitchFamily="34" charset="-120"/>
-              </a:rPr>
-              <a:t>ClassName</a:t>
-            </a:r>
-            <a:r>
-              <a:rPr lang="en-US" altLang="zh-TW" sz="2000" dirty="0">
+                <a:latin typeface="Menlo" panose="020B0609030804020204" pitchFamily="49" charset="0"/>
+                <a:ea typeface="Menlo" panose="020B0609030804020204" pitchFamily="49" charset="0"/>
+                <a:cs typeface="Menlo" panose="020B0609030804020204" pitchFamily="49" charset="0"/>
+              </a:rPr>
+              <a:t>class</a:t>
+            </a:r>
+            <a:r>
+              <a:rPr lang="en-US" altLang="zh-TW" sz="1900" dirty="0">
                 <a:solidFill>
                   <a:srgbClr val="0070C0"/>
                 </a:solidFill>
-                <a:latin typeface="微軟正黑體" panose="020B0604030504040204" pitchFamily="34" charset="-120"/>
-              </a:rPr>
-              <a:t>("</a:t>
-            </a:r>
-            <a:r>
-              <a:rPr lang="en-US" altLang="zh-TW" sz="2000" dirty="0">
-                <a:solidFill>
-                  <a:srgbClr val="FF0000"/>
-                </a:solidFill>
-                <a:latin typeface="微軟正黑體" panose="020B0604030504040204" pitchFamily="34" charset="-120"/>
-              </a:rPr>
-              <a:t>class</a:t>
-            </a:r>
-            <a:r>
-              <a:rPr lang="en-US" altLang="zh-TW" sz="2000" dirty="0">
+                <a:latin typeface="Menlo" panose="020B0609030804020204" pitchFamily="49" charset="0"/>
+                <a:ea typeface="Menlo" panose="020B0609030804020204" pitchFamily="49" charset="0"/>
+                <a:cs typeface="Menlo" panose="020B0609030804020204" pitchFamily="49" charset="0"/>
+              </a:rPr>
+              <a:t>").</a:t>
+            </a:r>
+            <a:r>
+              <a:rPr lang="en-US" altLang="zh-TW" sz="1900" dirty="0" err="1">
+                <a:solidFill>
+                  <a:srgbClr val="00B050"/>
+                </a:solidFill>
+                <a:latin typeface="Menlo" panose="020B0609030804020204" pitchFamily="49" charset="0"/>
+                <a:ea typeface="Menlo" panose="020B0609030804020204" pitchFamily="49" charset="0"/>
+                <a:cs typeface="Menlo" panose="020B0609030804020204" pitchFamily="49" charset="0"/>
+              </a:rPr>
+              <a:t>innerHTML</a:t>
+            </a:r>
+            <a:r>
+              <a:rPr lang="en-US" altLang="zh-TW" sz="1900" dirty="0">
                 <a:solidFill>
                   <a:srgbClr val="0070C0"/>
                 </a:solidFill>
-                <a:latin typeface="微軟正黑體" panose="020B0604030504040204" pitchFamily="34" charset="-120"/>
-              </a:rPr>
-              <a:t>") . </a:t>
-            </a:r>
-            <a:r>
-              <a:rPr lang="en-US" altLang="zh-TW" sz="2000" dirty="0" err="1">
-                <a:solidFill>
-                  <a:srgbClr val="00B050"/>
-                </a:solidFill>
-                <a:latin typeface="微軟正黑體" panose="020B0604030504040204" pitchFamily="34" charset="-120"/>
-              </a:rPr>
-              <a:t>innerHTML</a:t>
-            </a:r>
-            <a:r>
-              <a:rPr lang="en-US" altLang="zh-TW" sz="2000" dirty="0">
-                <a:solidFill>
-                  <a:srgbClr val="0070C0"/>
-                </a:solidFill>
-                <a:latin typeface="微軟正黑體" panose="020B0604030504040204" pitchFamily="34" charset="-120"/>
+                <a:latin typeface="Menlo" panose="020B0609030804020204" pitchFamily="49" charset="0"/>
+                <a:ea typeface="Menlo" panose="020B0609030804020204" pitchFamily="49" charset="0"/>
+                <a:cs typeface="Menlo" panose="020B0609030804020204" pitchFamily="49" charset="0"/>
               </a:rPr>
               <a:t> = </a:t>
             </a:r>
             <a:r>
-              <a:rPr lang="en-US" altLang="zh-TW" sz="2000" dirty="0">
+              <a:rPr lang="en-US" altLang="zh-TW" sz="1900" dirty="0">
                 <a:solidFill>
                   <a:schemeClr val="accent2"/>
                 </a:solidFill>
-                <a:latin typeface="微軟正黑體" panose="020B0604030504040204" pitchFamily="34" charset="-120"/>
+                <a:latin typeface="Menlo" panose="020B0609030804020204" pitchFamily="49" charset="0"/>
+                <a:ea typeface="Menlo" panose="020B0609030804020204" pitchFamily="49" charset="0"/>
+                <a:cs typeface="Menlo" panose="020B0609030804020204" pitchFamily="49" charset="0"/>
               </a:rPr>
               <a:t>"Hello"</a:t>
             </a:r>
@@ -7698,25 +8398,32 @@
           <a:p>
             <a:pPr algn="ctr"/>
             <a:r>
-              <a:rPr lang="zh-TW" altLang="en-US" sz="4000" dirty="0">
+              <a:rPr lang="zh-TW" altLang="en-US" sz="4000">
                 <a:solidFill>
                   <a:srgbClr val="0070C0"/>
                 </a:solidFill>
                 <a:latin typeface="微軟正黑體" panose="020B0604030504040204" pitchFamily="34" charset="-120"/>
                 <a:ea typeface="微軟正黑體" panose="020B0604030504040204" pitchFamily="34" charset="-120"/>
               </a:rPr>
-              <a:t>監聽目標元素</a:t>
-            </a:r>
-            <a:r>
-              <a:rPr lang="zh-TW" altLang="en-US" sz="4000" dirty="0">
+              <a:t>替目標元素添加</a:t>
+            </a:r>
+            <a:r>
+              <a:rPr lang="zh-TW" altLang="en-US" sz="4000">
                 <a:solidFill>
                   <a:srgbClr val="00B050"/>
                 </a:solidFill>
                 <a:latin typeface="微軟正黑體" panose="020B0604030504040204" pitchFamily="34" charset="-120"/>
                 <a:ea typeface="微軟正黑體" panose="020B0604030504040204" pitchFamily="34" charset="-120"/>
               </a:rPr>
-              <a:t>事件</a:t>
-            </a:r>
+              <a:t>監聽事件</a:t>
+            </a:r>
+            <a:endParaRPr lang="zh-TW" altLang="en-US" sz="4000" dirty="0">
+              <a:solidFill>
+                <a:srgbClr val="00B050"/>
+              </a:solidFill>
+              <a:latin typeface="微軟正黑體" panose="020B0604030504040204" pitchFamily="34" charset="-120"/>
+              <a:ea typeface="微軟正黑體" panose="020B0604030504040204" pitchFamily="34" charset="-120"/>
+            </a:endParaRPr>
           </a:p>
         </p:txBody>
       </p:sp>
@@ -7739,11 +8446,13 @@
         <p:spPr>
           <a:xfrm>
             <a:off x="251520" y="908720"/>
-            <a:ext cx="8640960" cy="5052219"/>
+            <a:ext cx="8496944" cy="5052219"/>
           </a:xfrm>
         </p:spPr>
         <p:txBody>
-          <a:bodyPr/>
+          <a:bodyPr>
+            <a:normAutofit/>
+          </a:bodyPr>
           <a:lstStyle/>
           <a:p>
             <a:pPr marL="0" indent="0" algn="ctr">
@@ -7753,95 +8462,80 @@
               <a:buNone/>
             </a:pPr>
             <a:r>
-              <a:rPr lang="en-US" altLang="zh-TW" sz="2500" dirty="0">
+              <a:rPr lang="en-US" altLang="zh-TW" sz="2200" dirty="0" err="1">
                 <a:solidFill>
                   <a:srgbClr val="0070C0"/>
                 </a:solidFill>
-                <a:latin typeface="微軟正黑體" panose="020B0604030504040204" pitchFamily="34" charset="-120"/>
-              </a:rPr>
-              <a:t>document . </a:t>
-            </a:r>
-            <a:r>
-              <a:rPr lang="en-US" altLang="zh-TW" sz="2500" dirty="0" err="1">
+                <a:latin typeface="Menlo" panose="020B0609030804020204" pitchFamily="49" charset="0"/>
+                <a:ea typeface="Menlo" panose="020B0609030804020204" pitchFamily="49" charset="0"/>
+                <a:cs typeface="Menlo" panose="020B0609030804020204" pitchFamily="49" charset="0"/>
+              </a:rPr>
+              <a:t>element.addEventListener</a:t>
+            </a:r>
+            <a:r>
+              <a:rPr lang="en-US" altLang="zh-TW" sz="2200" dirty="0">
                 <a:solidFill>
                   <a:srgbClr val="0070C0"/>
                 </a:solidFill>
-                <a:latin typeface="微軟正黑體" panose="020B0604030504040204" pitchFamily="34" charset="-120"/>
-              </a:rPr>
-              <a:t>getElementBy</a:t>
-            </a:r>
-            <a:r>
-              <a:rPr lang="en-US" altLang="zh-TW" sz="2500" dirty="0" err="1">
+                <a:latin typeface="Menlo" panose="020B0609030804020204" pitchFamily="49" charset="0"/>
+                <a:ea typeface="Menlo" panose="020B0609030804020204" pitchFamily="49" charset="0"/>
+                <a:cs typeface="Menlo" panose="020B0609030804020204" pitchFamily="49" charset="0"/>
+              </a:rPr>
+              <a:t>(</a:t>
+            </a:r>
+            <a:r>
+              <a:rPr lang="en-US" altLang="zh-TW" sz="2200" dirty="0">
                 <a:solidFill>
                   <a:srgbClr val="FF0000"/>
                 </a:solidFill>
-                <a:latin typeface="微軟正黑體" panose="020B0604030504040204" pitchFamily="34" charset="-120"/>
-              </a:rPr>
-              <a:t>Id</a:t>
-            </a:r>
-            <a:r>
-              <a:rPr lang="en-US" altLang="zh-TW" sz="2500" dirty="0">
+                <a:latin typeface="Menlo" panose="020B0609030804020204" pitchFamily="49" charset="0"/>
+                <a:ea typeface="Menlo" panose="020B0609030804020204" pitchFamily="49" charset="0"/>
+                <a:cs typeface="Menlo" panose="020B0609030804020204" pitchFamily="49" charset="0"/>
+              </a:rPr>
+              <a:t>event</a:t>
+            </a:r>
+            <a:r>
+              <a:rPr lang="en-US" altLang="zh-TW" sz="2200" dirty="0">
                 <a:solidFill>
                   <a:srgbClr val="0070C0"/>
                 </a:solidFill>
-                <a:latin typeface="微軟正黑體" panose="020B0604030504040204" pitchFamily="34" charset="-120"/>
-              </a:rPr>
-              <a:t>("</a:t>
-            </a:r>
-            <a:r>
-              <a:rPr lang="en-US" altLang="zh-TW" sz="2500" dirty="0">
+                <a:latin typeface="Menlo" panose="020B0609030804020204" pitchFamily="49" charset="0"/>
+                <a:ea typeface="Menlo" panose="020B0609030804020204" pitchFamily="49" charset="0"/>
+                <a:cs typeface="Menlo" panose="020B0609030804020204" pitchFamily="49" charset="0"/>
+              </a:rPr>
+              <a:t>, </a:t>
+            </a:r>
+            <a:r>
+              <a:rPr lang="en-US" altLang="zh-TW" sz="2200" dirty="0">
                 <a:solidFill>
                   <a:srgbClr val="FF0000"/>
                 </a:solidFill>
-                <a:latin typeface="微軟正黑體" panose="020B0604030504040204" pitchFamily="34" charset="-120"/>
-              </a:rPr>
-              <a:t>id</a:t>
-            </a:r>
-            <a:r>
-              <a:rPr lang="en-US" altLang="zh-TW" sz="2500" dirty="0">
+                <a:latin typeface="Menlo" panose="020B0609030804020204" pitchFamily="49" charset="0"/>
+                <a:ea typeface="Menlo" panose="020B0609030804020204" pitchFamily="49" charset="0"/>
+                <a:cs typeface="Menlo" panose="020B0609030804020204" pitchFamily="49" charset="0"/>
+              </a:rPr>
+              <a:t>function</a:t>
+            </a:r>
+            <a:r>
+              <a:rPr lang="en-US" altLang="zh-TW" sz="2200" dirty="0">
                 <a:solidFill>
                   <a:srgbClr val="0070C0"/>
                 </a:solidFill>
-                <a:latin typeface="微軟正黑體" panose="020B0604030504040204" pitchFamily="34" charset="-120"/>
-              </a:rPr>
-              <a:t>") . </a:t>
-            </a:r>
-            <a:r>
-              <a:rPr lang="en-US" altLang="zh-TW" sz="2500" dirty="0">
-                <a:solidFill>
-                  <a:srgbClr val="00B050"/>
-                </a:solidFill>
-                <a:latin typeface="微軟正黑體" panose="020B0604030504040204" pitchFamily="34" charset="-120"/>
-              </a:rPr>
-              <a:t>onclick</a:t>
-            </a:r>
-            <a:r>
-              <a:rPr lang="en-US" altLang="zh-TW" sz="2500" dirty="0">
-                <a:solidFill>
-                  <a:srgbClr val="0070C0"/>
-                </a:solidFill>
-                <a:latin typeface="微軟正黑體" panose="020B0604030504040204" pitchFamily="34" charset="-120"/>
-              </a:rPr>
-              <a:t> = </a:t>
-            </a:r>
-            <a:r>
-              <a:rPr lang="en-US" altLang="zh-TW" sz="2500" dirty="0">
-                <a:solidFill>
-                  <a:schemeClr val="accent2"/>
-                </a:solidFill>
-                <a:latin typeface="微軟正黑體" panose="020B0604030504040204" pitchFamily="34" charset="-120"/>
-              </a:rPr>
-              <a:t>function()</a:t>
+                <a:latin typeface="Menlo" panose="020B0609030804020204" pitchFamily="49" charset="0"/>
+                <a:ea typeface="Menlo" panose="020B0609030804020204" pitchFamily="49" charset="0"/>
+                <a:cs typeface="Menlo" panose="020B0609030804020204" pitchFamily="49" charset="0"/>
+              </a:rPr>
+              <a:t>)</a:t>
             </a:r>
           </a:p>
         </p:txBody>
       </p:sp>
       <p:pic>
         <p:nvPicPr>
-          <p:cNvPr id="4" name="圖片 3" descr="一張含有 螢幕擷取畫面, 畫畫 的圖片&#10;&#10;自動產生的描述">
+          <p:cNvPr id="13" name="圖片 12" descr="一張含有 文字 的圖片&#10;&#10;自動產生的描述">
             <a:extLst>
               <a:ext uri="{FF2B5EF4-FFF2-40B4-BE49-F238E27FC236}">
-                <a16:creationId xmlns:a16="http://schemas.microsoft.com/office/drawing/2014/main" id="{FFC88DFC-3E0A-2446-BB30-A7D3EEF478B6}"/>
+                <a16:creationId xmlns:a16="http://schemas.microsoft.com/office/drawing/2014/main" id="{27B46551-07AC-0247-9A57-921996AD78B7}"/>
               </a:ext>
             </a:extLst>
           </p:cNvPr>
@@ -7851,7 +8545,7 @@
           <p:nvPr/>
         </p:nvPicPr>
         <p:blipFill>
-          <a:blip r:embed="rId5">
+          <a:blip r:embed="rId3">
             <a:extLst>
               <a:ext uri="{28A0092B-C50C-407E-A947-70E740481C1C}">
                 <a14:useLocalDpi xmlns:a14="http://schemas.microsoft.com/office/drawing/2010/main" val="0"/>
@@ -7864,8 +8558,8 @@
         </p:blipFill>
         <p:spPr>
           <a:xfrm>
-            <a:off x="1289050" y="1628800"/>
-            <a:ext cx="6565900" cy="1816100"/>
+            <a:off x="332862" y="3811614"/>
+            <a:ext cx="8478275" cy="1224136"/>
           </a:xfrm>
           <a:prstGeom prst="rect">
             <a:avLst/>
@@ -7874,36 +8568,34 @@
       </p:pic>
       <p:pic>
         <p:nvPicPr>
-          <p:cNvPr id="12" name="螢幕錄製 2020-07-09 下午2.54.42" descr="螢幕錄製 2020-07-09 下午2.54.42">
-            <a:hlinkClick r:id="" action="ppaction://media"/>
+          <p:cNvPr id="14" name="圖片 13">
             <a:extLst>
               <a:ext uri="{FF2B5EF4-FFF2-40B4-BE49-F238E27FC236}">
-                <a16:creationId xmlns:a16="http://schemas.microsoft.com/office/drawing/2014/main" id="{72009890-2728-474A-B4CB-B756646C187E}"/>
+                <a16:creationId xmlns:a16="http://schemas.microsoft.com/office/drawing/2014/main" id="{E26CF90E-0B8B-E14B-8160-810A9F3836A9}"/>
               </a:ext>
             </a:extLst>
           </p:cNvPr>
           <p:cNvPicPr>
             <a:picLocks noChangeAspect="1"/>
           </p:cNvPicPr>
-          <p:nvPr>
-            <a:videoFile r:link="rId2"/>
-            <p:extLst>
-              <p:ext uri="{DAA4B4D4-6D71-4841-9C94-3DE7FCFB9230}">
-                <p14:media xmlns:p14="http://schemas.microsoft.com/office/powerpoint/2010/main" r:embed="rId1"/>
-              </p:ext>
-            </p:extLst>
-          </p:nvPr>
+          <p:nvPr/>
         </p:nvPicPr>
         <p:blipFill>
-          <a:blip r:embed="rId6"/>
+          <a:blip r:embed="rId4">
+            <a:extLst>
+              <a:ext uri="{28A0092B-C50C-407E-A947-70E740481C1C}">
+                <a14:useLocalDpi xmlns:a14="http://schemas.microsoft.com/office/drawing/2010/main" val="0"/>
+              </a:ext>
+            </a:extLst>
+          </a:blip>
           <a:stretch>
             <a:fillRect/>
           </a:stretch>
         </p:blipFill>
         <p:spPr>
           <a:xfrm>
-            <a:off x="1289050" y="3573016"/>
-            <a:ext cx="3780233" cy="2757499"/>
+            <a:off x="905592" y="1700808"/>
+            <a:ext cx="7332815" cy="1872208"/>
           </a:xfrm>
           <a:prstGeom prst="rect">
             <a:avLst/>
@@ -7920,144 +8612,6 @@
   <p:clrMapOvr>
     <a:masterClrMapping/>
   </p:clrMapOvr>
-  <p:timing>
-    <p:tnLst>
-      <p:par>
-        <p:cTn id="1" dur="indefinite" restart="never" nodeType="tmRoot">
-          <p:childTnLst>
-            <p:seq concurrent="1" nextAc="seek">
-              <p:cTn id="2" dur="indefinite" nodeType="mainSeq">
-                <p:childTnLst>
-                  <p:par>
-                    <p:cTn id="3" fill="hold">
-                      <p:stCondLst>
-                        <p:cond delay="indefinite"/>
-                        <p:cond evt="onBegin" delay="0">
-                          <p:tn val="2"/>
-                        </p:cond>
-                      </p:stCondLst>
-                      <p:childTnLst>
-                        <p:par>
-                          <p:cTn id="4" fill="hold">
-                            <p:stCondLst>
-                              <p:cond delay="0"/>
-                            </p:stCondLst>
-                            <p:childTnLst>
-                              <p:par>
-                                <p:cTn id="5" presetID="1" presetClass="mediacall" presetSubtype="0" fill="hold" nodeType="afterEffect">
-                                  <p:stCondLst>
-                                    <p:cond delay="0"/>
-                                  </p:stCondLst>
-                                  <p:childTnLst>
-                                    <p:cmd type="call" cmd="playFrom(0.0)">
-                                      <p:cBhvr>
-                                        <p:cTn id="6" dur="3066" fill="hold"/>
-                                        <p:tgtEl>
-                                          <p:spTgt spid="12"/>
-                                        </p:tgtEl>
-                                      </p:cBhvr>
-                                    </p:cmd>
-                                  </p:childTnLst>
-                                </p:cTn>
-                              </p:par>
-                            </p:childTnLst>
-                          </p:cTn>
-                        </p:par>
-                      </p:childTnLst>
-                    </p:cTn>
-                  </p:par>
-                </p:childTnLst>
-              </p:cTn>
-              <p:prevCondLst>
-                <p:cond evt="onPrev" delay="0">
-                  <p:tgtEl>
-                    <p:sldTgt/>
-                  </p:tgtEl>
-                </p:cond>
-              </p:prevCondLst>
-              <p:nextCondLst>
-                <p:cond evt="onNext" delay="0">
-                  <p:tgtEl>
-                    <p:sldTgt/>
-                  </p:tgtEl>
-                </p:cond>
-              </p:nextCondLst>
-            </p:seq>
-            <p:video>
-              <p:cMediaNode vol="80000">
-                <p:cTn id="7" repeatCount="indefinite" fill="hold" display="0">
-                  <p:stCondLst>
-                    <p:cond delay="indefinite"/>
-                  </p:stCondLst>
-                </p:cTn>
-                <p:tgtEl>
-                  <p:spTgt spid="12"/>
-                </p:tgtEl>
-              </p:cMediaNode>
-            </p:video>
-            <p:seq concurrent="1" nextAc="seek">
-              <p:cTn id="8" restart="whenNotActive" fill="hold" evtFilter="cancelBubble" nodeType="interactiveSeq">
-                <p:stCondLst>
-                  <p:cond evt="onClick" delay="0">
-                    <p:tgtEl>
-                      <p:spTgt spid="12"/>
-                    </p:tgtEl>
-                  </p:cond>
-                </p:stCondLst>
-                <p:endSync evt="end" delay="0">
-                  <p:rtn val="all"/>
-                </p:endSync>
-                <p:childTnLst>
-                  <p:par>
-                    <p:cTn id="9" fill="hold">
-                      <p:stCondLst>
-                        <p:cond delay="0"/>
-                      </p:stCondLst>
-                      <p:childTnLst>
-                        <p:par>
-                          <p:cTn id="10" fill="hold">
-                            <p:stCondLst>
-                              <p:cond delay="0"/>
-                            </p:stCondLst>
-                            <p:childTnLst>
-                              <p:par>
-                                <p:cTn id="11" presetID="2" presetClass="mediacall" presetSubtype="0" fill="hold" nodeType="clickEffect">
-                                  <p:stCondLst>
-                                    <p:cond delay="0"/>
-                                  </p:stCondLst>
-                                  <p:childTnLst>
-                                    <p:cmd type="call" cmd="togglePause">
-                                      <p:cBhvr>
-                                        <p:cTn id="12" dur="1" fill="hold"/>
-                                        <p:tgtEl>
-                                          <p:spTgt spid="12"/>
-                                        </p:tgtEl>
-                                      </p:cBhvr>
-                                    </p:cmd>
-                                  </p:childTnLst>
-                                </p:cTn>
-                              </p:par>
-                            </p:childTnLst>
-                          </p:cTn>
-                        </p:par>
-                      </p:childTnLst>
-                    </p:cTn>
-                  </p:par>
-                </p:childTnLst>
-              </p:cTn>
-              <p:nextCondLst>
-                <p:cond evt="onClick" delay="0">
-                  <p:tgtEl>
-                    <p:spTgt spid="12"/>
-                  </p:tgtEl>
-                </p:cond>
-              </p:nextCondLst>
-            </p:seq>
-          </p:childTnLst>
-        </p:cTn>
-      </p:par>
-    </p:tnLst>
-  </p:timing>
 </p:sld>
 </file>
 
@@ -8102,14 +8656,59 @@
           <a:p>
             <a:pPr algn="ctr"/>
             <a:r>
-              <a:rPr lang="zh-TW" altLang="en-US" sz="4000">
+              <a:rPr lang="zh-TW" altLang="en-US" sz="4000" dirty="0">
+                <a:solidFill>
+                  <a:srgbClr val="0070C0"/>
+                </a:solidFill>
+                <a:latin typeface="微軟正黑體" panose="020B0604030504040204" pitchFamily="34" charset="-120"/>
+              </a:rPr>
+              <a:t>替</a:t>
+            </a:r>
+            <a:r>
+              <a:rPr lang="zh-TW" altLang="en-US" sz="4000" dirty="0">
                 <a:solidFill>
                   <a:srgbClr val="0070C0"/>
                 </a:solidFill>
                 <a:latin typeface="微軟正黑體" panose="020B0604030504040204" pitchFamily="34" charset="-120"/>
                 <a:ea typeface="微軟正黑體" panose="020B0604030504040204" pitchFamily="34" charset="-120"/>
               </a:rPr>
-              <a:t>作業</a:t>
+              <a:t>目標元素</a:t>
+            </a:r>
+            <a:r>
+              <a:rPr lang="zh-TW" altLang="en-US" sz="4000" dirty="0">
+                <a:solidFill>
+                  <a:srgbClr val="00B050"/>
+                </a:solidFill>
+                <a:latin typeface="微軟正黑體" panose="020B0604030504040204" pitchFamily="34" charset="-120"/>
+              </a:rPr>
+              <a:t>增加</a:t>
+            </a:r>
+            <a:r>
+              <a:rPr lang="zh-TW" altLang="en-US" sz="4000" dirty="0">
+                <a:solidFill>
+                  <a:srgbClr val="0070C0"/>
+                </a:solidFill>
+                <a:latin typeface="微軟正黑體" panose="020B0604030504040204" pitchFamily="34" charset="-120"/>
+              </a:rPr>
+              <a:t>屬性</a:t>
+            </a:r>
+            <a:r>
+              <a:rPr lang="zh-TW" altLang="en-US" sz="4000" dirty="0">
+                <a:solidFill>
+                  <a:srgbClr val="00B050"/>
+                </a:solidFill>
+                <a:latin typeface="微軟正黑體" panose="020B0604030504040204" pitchFamily="34" charset="-120"/>
+              </a:rPr>
+              <a:t>與</a:t>
+            </a:r>
+            <a:r>
+              <a:rPr lang="zh-TW" altLang="en-US" sz="4000" dirty="0">
+                <a:solidFill>
+                  <a:srgbClr val="0070C0"/>
+                </a:solidFill>
+                <a:latin typeface="微軟正黑體" panose="020B0604030504040204" pitchFamily="34" charset="-120"/>
+              </a:rPr>
+              <a:t>值</a:t>
             </a:r>
             <a:endParaRPr lang="zh-TW" altLang="en-US" sz="4000" dirty="0">
               <a:solidFill>
@@ -8123,7 +8722,13 @@
       </p:sp>
       <p:sp>
         <p:nvSpPr>
-          <p:cNvPr id="3" name="內容版面配置區 2"/>
+          <p:cNvPr id="5" name="內容版面配置區 4">
+            <a:extLst>
+              <a:ext uri="{FF2B5EF4-FFF2-40B4-BE49-F238E27FC236}">
+                <a16:creationId xmlns:a16="http://schemas.microsoft.com/office/drawing/2014/main" id="{6E0B32DB-5057-9F4F-9670-073195DD147E}"/>
+              </a:ext>
+            </a:extLst>
+          </p:cNvPr>
           <p:cNvSpPr>
             <a:spLocks noGrp="1"/>
           </p:cNvSpPr>
@@ -8133,204 +8738,186 @@
         </p:nvSpPr>
         <p:spPr>
           <a:xfrm>
-            <a:off x="476089" y="1253331"/>
-            <a:ext cx="8191822" cy="4351338"/>
+            <a:off x="251520" y="908720"/>
+            <a:ext cx="8496944" cy="5052219"/>
           </a:xfrm>
         </p:spPr>
         <p:txBody>
-          <a:bodyPr/>
+          <a:bodyPr>
+            <a:normAutofit/>
+          </a:bodyPr>
           <a:lstStyle/>
           <a:p>
-            <a:r>
-              <a:rPr lang="zh-TW" altLang="en-US" dirty="0"/>
-              <a:t>目標：寫出一個</a:t>
-            </a:r>
-            <a:r>
-              <a:rPr lang="en-US" altLang="zh-TW" dirty="0"/>
-              <a:t>To-Do List</a:t>
-            </a:r>
-            <a:r>
-              <a:rPr lang="zh-TW" altLang="en-US" dirty="0"/>
-              <a:t>。</a:t>
-            </a:r>
-            <a:endParaRPr lang="en-US" altLang="zh-TW" dirty="0"/>
-          </a:p>
-          <a:p>
-            <a:r>
-              <a:rPr lang="zh-TW" altLang="en-US" dirty="0"/>
-              <a:t>所需標籤：</a:t>
-            </a:r>
-            <a:r>
-              <a:rPr lang="en-US" altLang="zh-TW" dirty="0">
-                <a:latin typeface="Consolas" panose="020B0609020204030204" pitchFamily="49" charset="0"/>
-              </a:rPr>
-              <a:t>&lt;div&gt;</a:t>
-            </a:r>
-            <a:r>
-              <a:rPr lang="zh-TW" altLang="en-US" dirty="0">
-                <a:latin typeface="Consolas" panose="020B0609020204030204" pitchFamily="49" charset="0"/>
-              </a:rPr>
-              <a:t>、</a:t>
-            </a:r>
-            <a:r>
-              <a:rPr lang="en-US" altLang="zh-TW" dirty="0">
-                <a:latin typeface="Consolas" panose="020B0609020204030204" pitchFamily="49" charset="0"/>
-              </a:rPr>
-              <a:t>&lt;input&gt;</a:t>
-            </a:r>
-            <a:r>
-              <a:rPr lang="zh-TW" altLang="en-US" dirty="0">
-                <a:latin typeface="Consolas" panose="020B0609020204030204" pitchFamily="49" charset="0"/>
-              </a:rPr>
-              <a:t>、</a:t>
-            </a:r>
-            <a:r>
-              <a:rPr lang="en-US" altLang="zh-TW" dirty="0">
-                <a:latin typeface="Consolas" panose="020B0609020204030204" pitchFamily="49" charset="0"/>
-              </a:rPr>
-              <a:t>&lt;button&gt;</a:t>
-            </a:r>
-            <a:r>
-              <a:rPr lang="zh-TW" altLang="en-US" dirty="0">
-                <a:latin typeface="Consolas" panose="020B0609020204030204" pitchFamily="49" charset="0"/>
-              </a:rPr>
-              <a:t>、</a:t>
-            </a:r>
-            <a:r>
-              <a:rPr lang="en-US" altLang="zh-TW" dirty="0">
-                <a:latin typeface="Consolas" panose="020B0609020204030204" pitchFamily="49" charset="0"/>
-              </a:rPr>
-              <a:t>&lt;ul&gt;</a:t>
-            </a:r>
-            <a:r>
-              <a:rPr lang="zh-TW" altLang="en-US" dirty="0">
-                <a:latin typeface="Consolas" panose="020B0609020204030204" pitchFamily="49" charset="0"/>
-              </a:rPr>
-              <a:t>、</a:t>
-            </a:r>
-            <a:r>
-              <a:rPr lang="en-US" altLang="zh-TW" dirty="0">
-                <a:latin typeface="Consolas" panose="020B0609020204030204" pitchFamily="49" charset="0"/>
-              </a:rPr>
-              <a:t>&lt;li&gt;</a:t>
-            </a:r>
-            <a:r>
-              <a:rPr lang="zh-TW" altLang="en-US" dirty="0">
-                <a:latin typeface="Consolas" panose="020B0609020204030204" pitchFamily="49" charset="0"/>
-              </a:rPr>
-              <a:t>、</a:t>
-            </a:r>
-            <a:r>
-              <a:rPr lang="en-US" altLang="zh-TW" dirty="0">
-                <a:latin typeface="Consolas" panose="020B0609020204030204" pitchFamily="49" charset="0"/>
-              </a:rPr>
-              <a:t>&lt;style&gt;</a:t>
-            </a:r>
-          </a:p>
-          <a:p>
-            <a:r>
-              <a:rPr lang="zh-TW" altLang="en-US" dirty="0"/>
-              <a:t>所需標籤屬性：</a:t>
-            </a:r>
-            <a:r>
-              <a:rPr lang="en-US" altLang="zh-TW" dirty="0">
-                <a:latin typeface="Consolas" panose="020B0609020204030204" pitchFamily="49" charset="0"/>
-              </a:rPr>
-              <a:t>class</a:t>
-            </a:r>
-            <a:r>
-              <a:rPr lang="zh-TW" altLang="en-US" dirty="0">
-                <a:latin typeface="Consolas" panose="020B0609020204030204" pitchFamily="49" charset="0"/>
-              </a:rPr>
-              <a:t>、</a:t>
-            </a:r>
-            <a:r>
-              <a:rPr lang="en-US" altLang="zh-TW" dirty="0">
-                <a:latin typeface="Consolas" panose="020B0609020204030204" pitchFamily="49" charset="0"/>
-              </a:rPr>
-              <a:t>id</a:t>
-            </a:r>
-          </a:p>
-          <a:p>
-            <a:r>
-              <a:rPr lang="zh-TW" altLang="en-US" dirty="0">
-                <a:latin typeface="Consolas" panose="020B0609020204030204" pitchFamily="49" charset="0"/>
-              </a:rPr>
-              <a:t>所需</a:t>
-            </a:r>
-            <a:r>
-              <a:rPr lang="en-US" altLang="zh-TW" dirty="0">
-                <a:latin typeface="Consolas" panose="020B0609020204030204" pitchFamily="49" charset="0"/>
-              </a:rPr>
-              <a:t>JS</a:t>
-            </a:r>
-            <a:r>
-              <a:rPr lang="zh-TW" altLang="en-US" dirty="0">
-                <a:latin typeface="Consolas" panose="020B0609020204030204" pitchFamily="49" charset="0"/>
-              </a:rPr>
-              <a:t>語法：</a:t>
-            </a:r>
-            <a:r>
-              <a:rPr lang="en-US" altLang="zh-TW" dirty="0" err="1">
-                <a:latin typeface="Consolas" panose="020B0609020204030204" pitchFamily="49" charset="0"/>
-              </a:rPr>
-              <a:t>document.getElementById</a:t>
-            </a:r>
-            <a:r>
-              <a:rPr lang="en-US" altLang="zh-TW" dirty="0">
-                <a:latin typeface="Consolas" panose="020B0609020204030204" pitchFamily="49" charset="0"/>
-              </a:rPr>
-              <a:t>()</a:t>
-            </a:r>
-            <a:r>
-              <a:rPr lang="zh-TW" altLang="en-US" dirty="0">
-                <a:latin typeface="Consolas" panose="020B0609020204030204" pitchFamily="49" charset="0"/>
-              </a:rPr>
-              <a:t>、</a:t>
-            </a:r>
-            <a:r>
-              <a:rPr lang="en-US" altLang="zh-TW" dirty="0" err="1">
-                <a:latin typeface="Consolas" panose="020B0609020204030204" pitchFamily="49" charset="0"/>
-              </a:rPr>
-              <a:t>document.createElement</a:t>
-            </a:r>
-            <a:r>
-              <a:rPr lang="en-US" altLang="zh-TW" dirty="0">
-                <a:latin typeface="Consolas" panose="020B0609020204030204" pitchFamily="49" charset="0"/>
-              </a:rPr>
-              <a:t>()</a:t>
-            </a:r>
-            <a:r>
-              <a:rPr lang="zh-TW" altLang="en-US" dirty="0">
-                <a:latin typeface="Consolas" panose="020B0609020204030204" pitchFamily="49" charset="0"/>
-              </a:rPr>
-              <a:t>、</a:t>
-            </a:r>
-            <a:r>
-              <a:rPr lang="en-US" altLang="zh-TW" dirty="0" err="1">
-                <a:latin typeface="Consolas" panose="020B0609020204030204" pitchFamily="49" charset="0"/>
-              </a:rPr>
-              <a:t>innerHTML</a:t>
-            </a:r>
-            <a:r>
-              <a:rPr lang="zh-TW" altLang="en-US" dirty="0">
-                <a:latin typeface="Consolas" panose="020B0609020204030204" pitchFamily="49" charset="0"/>
-              </a:rPr>
-              <a:t>、</a:t>
-            </a:r>
-            <a:r>
-              <a:rPr lang="en-US" altLang="zh-TW" dirty="0">
-                <a:latin typeface="Consolas" panose="020B0609020204030204" pitchFamily="49" charset="0"/>
-              </a:rPr>
-              <a:t>onclick</a:t>
-            </a:r>
-          </a:p>
-        </p:txBody>
-      </p:sp>
+            <a:pPr marL="0" indent="0" algn="ctr">
+              <a:lnSpc>
+                <a:spcPct val="150000"/>
+              </a:lnSpc>
+              <a:buNone/>
+            </a:pPr>
+            <a:r>
+              <a:rPr lang="en-US" altLang="zh-TW" sz="2200" dirty="0" err="1">
+                <a:solidFill>
+                  <a:srgbClr val="0070C0"/>
+                </a:solidFill>
+                <a:latin typeface="Menlo" panose="020B0609030804020204" pitchFamily="49" charset="0"/>
+                <a:ea typeface="Menlo" panose="020B0609030804020204" pitchFamily="49" charset="0"/>
+                <a:cs typeface="Menlo" panose="020B0609030804020204" pitchFamily="49" charset="0"/>
+              </a:rPr>
+              <a:t>Element.</a:t>
+            </a:r>
+            <a:r>
+              <a:rPr lang="en-US" altLang="zh-TW" sz="2200" dirty="0" err="1">
+                <a:solidFill>
+                  <a:schemeClr val="accent5"/>
+                </a:solidFill>
+                <a:latin typeface="Menlo" panose="020B0609030804020204" pitchFamily="49" charset="0"/>
+                <a:ea typeface="Menlo" panose="020B0609030804020204" pitchFamily="49" charset="0"/>
+                <a:cs typeface="Menlo" panose="020B0609030804020204" pitchFamily="49" charset="0"/>
+              </a:rPr>
+              <a:t>setAttribute</a:t>
+            </a:r>
+            <a:r>
+              <a:rPr lang="en-US" altLang="zh-TW" sz="2200" dirty="0">
+                <a:solidFill>
+                  <a:srgbClr val="00B050"/>
+                </a:solidFill>
+                <a:latin typeface="Menlo" panose="020B0609030804020204" pitchFamily="49" charset="0"/>
+                <a:ea typeface="Menlo" panose="020B0609030804020204" pitchFamily="49" charset="0"/>
+                <a:cs typeface="Menlo" panose="020B0609030804020204" pitchFamily="49" charset="0"/>
+              </a:rPr>
+              <a:t>("</a:t>
+            </a:r>
+            <a:r>
+              <a:rPr lang="zh-TW" altLang="en-US" sz="2200" dirty="0">
+                <a:solidFill>
+                  <a:srgbClr val="FF0000"/>
+                </a:solidFill>
+                <a:latin typeface="Menlo" panose="020B0609030804020204" pitchFamily="49" charset="0"/>
+                <a:ea typeface="Menlo" panose="020B0609030804020204" pitchFamily="49" charset="0"/>
+                <a:cs typeface="Menlo" panose="020B0609030804020204" pitchFamily="49" charset="0"/>
+              </a:rPr>
+              <a:t>屬性</a:t>
+            </a:r>
+            <a:r>
+              <a:rPr lang="en-US" altLang="zh-TW" sz="2200" dirty="0">
+                <a:solidFill>
+                  <a:srgbClr val="00B050"/>
+                </a:solidFill>
+                <a:latin typeface="Menlo" panose="020B0609030804020204" pitchFamily="49" charset="0"/>
+                <a:ea typeface="Menlo" panose="020B0609030804020204" pitchFamily="49" charset="0"/>
+                <a:cs typeface="Menlo" panose="020B0609030804020204" pitchFamily="49" charset="0"/>
+              </a:rPr>
+              <a:t>", "</a:t>
+            </a:r>
+            <a:r>
+              <a:rPr lang="zh-TW" altLang="en-US" sz="2200" dirty="0">
+                <a:solidFill>
+                  <a:srgbClr val="FF0000"/>
+                </a:solidFill>
+                <a:latin typeface="Menlo" panose="020B0609030804020204" pitchFamily="49" charset="0"/>
+                <a:ea typeface="Menlo" panose="020B0609030804020204" pitchFamily="49" charset="0"/>
+                <a:cs typeface="Menlo" panose="020B0609030804020204" pitchFamily="49" charset="0"/>
+              </a:rPr>
+              <a:t>值</a:t>
+            </a:r>
+            <a:r>
+              <a:rPr lang="en-US" altLang="zh-TW" sz="2200" dirty="0">
+                <a:solidFill>
+                  <a:srgbClr val="00B050"/>
+                </a:solidFill>
+                <a:latin typeface="Menlo" panose="020B0609030804020204" pitchFamily="49" charset="0"/>
+                <a:ea typeface="Menlo" panose="020B0609030804020204" pitchFamily="49" charset="0"/>
+                <a:cs typeface="Menlo" panose="020B0609030804020204" pitchFamily="49" charset="0"/>
+              </a:rPr>
+              <a:t>")</a:t>
+            </a:r>
+            <a:endParaRPr lang="en-US" altLang="zh-TW" sz="2200" dirty="0">
+              <a:solidFill>
+                <a:schemeClr val="accent2"/>
+              </a:solidFill>
+              <a:latin typeface="Menlo" panose="020B0609030804020204" pitchFamily="49" charset="0"/>
+              <a:ea typeface="Menlo" panose="020B0609030804020204" pitchFamily="49" charset="0"/>
+              <a:cs typeface="Menlo" panose="020B0609030804020204" pitchFamily="49" charset="0"/>
+            </a:endParaRPr>
+          </a:p>
+        </p:txBody>
+      </p:sp>
+      <p:pic>
+        <p:nvPicPr>
+          <p:cNvPr id="6" name="圖片 5" descr="一張含有 文字 的圖片&#10;&#10;自動產生的描述">
+            <a:extLst>
+              <a:ext uri="{FF2B5EF4-FFF2-40B4-BE49-F238E27FC236}">
+                <a16:creationId xmlns:a16="http://schemas.microsoft.com/office/drawing/2014/main" id="{7EE9A708-FF93-A341-87F3-27814080B0E0}"/>
+              </a:ext>
+            </a:extLst>
+          </p:cNvPr>
+          <p:cNvPicPr>
+            <a:picLocks noChangeAspect="1"/>
+          </p:cNvPicPr>
+          <p:nvPr/>
+        </p:nvPicPr>
+        <p:blipFill>
+          <a:blip r:embed="rId3">
+            <a:extLst>
+              <a:ext uri="{28A0092B-C50C-407E-A947-70E740481C1C}">
+                <a14:useLocalDpi xmlns:a14="http://schemas.microsoft.com/office/drawing/2010/main" val="0"/>
+              </a:ext>
+            </a:extLst>
+          </a:blip>
+          <a:stretch>
+            <a:fillRect/>
+          </a:stretch>
+        </p:blipFill>
+        <p:spPr>
+          <a:xfrm>
+            <a:off x="267123" y="3948749"/>
+            <a:ext cx="8465738" cy="1266180"/>
+          </a:xfrm>
+          <a:prstGeom prst="rect">
+            <a:avLst/>
+          </a:prstGeom>
+        </p:spPr>
+      </p:pic>
+      <p:pic>
+        <p:nvPicPr>
+          <p:cNvPr id="7" name="圖片 6" descr="一張含有 文字 的圖片&#10;&#10;自動產生的描述">
+            <a:extLst>
+              <a:ext uri="{FF2B5EF4-FFF2-40B4-BE49-F238E27FC236}">
+                <a16:creationId xmlns:a16="http://schemas.microsoft.com/office/drawing/2014/main" id="{2BE069D2-29B5-3A41-B6EB-D841CD49CABB}"/>
+              </a:ext>
+            </a:extLst>
+          </p:cNvPr>
+          <p:cNvPicPr>
+            <a:picLocks noChangeAspect="1"/>
+          </p:cNvPicPr>
+          <p:nvPr/>
+        </p:nvPicPr>
+        <p:blipFill>
+          <a:blip r:embed="rId4">
+            <a:extLst>
+              <a:ext uri="{28A0092B-C50C-407E-A947-70E740481C1C}">
+                <a14:useLocalDpi xmlns:a14="http://schemas.microsoft.com/office/drawing/2010/main" val="0"/>
+              </a:ext>
+            </a:extLst>
+          </a:blip>
+          <a:stretch>
+            <a:fillRect/>
+          </a:stretch>
+        </p:blipFill>
+        <p:spPr>
+          <a:xfrm>
+            <a:off x="1105050" y="1844824"/>
+            <a:ext cx="6933899" cy="1823070"/>
+          </a:xfrm>
+          <a:prstGeom prst="rect">
+            <a:avLst/>
+          </a:prstGeom>
+        </p:spPr>
+      </p:pic>
     </p:spTree>
     <p:extLst>
       <p:ext uri="{BB962C8B-B14F-4D97-AF65-F5344CB8AC3E}">
-        <p14:creationId xmlns:p14="http://schemas.microsoft.com/office/powerpoint/2010/main" val="1594041963"/>
+        <p14:creationId xmlns:p14="http://schemas.microsoft.com/office/powerpoint/2010/main" val="2585232001"/>
       </p:ext>
     </p:extLst>
   </p:cSld>
@@ -8383,56 +8970,234 @@
             <a:r>
               <a:rPr lang="zh-TW" altLang="en-US" sz="4000" dirty="0">
                 <a:solidFill>
-                  <a:srgbClr val="0070C0"/>
+                  <a:schemeClr val="accent5"/>
                 </a:solidFill>
                 <a:latin typeface="微軟正黑體" panose="020B0604030504040204" pitchFamily="34" charset="-120"/>
                 <a:ea typeface="微軟正黑體" panose="020B0604030504040204" pitchFamily="34" charset="-120"/>
               </a:rPr>
-              <a:t>心得回饋</a:t>
-            </a:r>
-          </a:p>
-        </p:txBody>
-      </p:sp>
-      <p:sp>
-        <p:nvSpPr>
-          <p:cNvPr id="4" name="矩形 3"/>
-          <p:cNvSpPr/>
-          <p:nvPr/>
+              <a:t>在文件物件新增</a:t>
+            </a:r>
+            <a:r>
+              <a:rPr lang="zh-TW" altLang="en-US" sz="4000" dirty="0">
+                <a:solidFill>
+                  <a:srgbClr val="FF0000"/>
+                </a:solidFill>
+                <a:latin typeface="微軟正黑體" panose="020B0604030504040204" pitchFamily="34" charset="-120"/>
+                <a:ea typeface="微軟正黑體" panose="020B0604030504040204" pitchFamily="34" charset="-120"/>
+              </a:rPr>
+              <a:t>元素（</a:t>
+            </a:r>
+            <a:r>
+              <a:rPr lang="en-US" altLang="zh-TW" sz="4000" dirty="0">
+                <a:solidFill>
+                  <a:srgbClr val="FF0000"/>
+                </a:solidFill>
+                <a:latin typeface="微軟正黑體" panose="020B0604030504040204" pitchFamily="34" charset="-120"/>
+                <a:ea typeface="微軟正黑體" panose="020B0604030504040204" pitchFamily="34" charset="-120"/>
+              </a:rPr>
+              <a:t>Element</a:t>
+            </a:r>
+            <a:r>
+              <a:rPr lang="zh-TW" altLang="en-US" sz="4000" dirty="0">
+                <a:solidFill>
+                  <a:srgbClr val="FF0000"/>
+                </a:solidFill>
+                <a:latin typeface="微軟正黑體" panose="020B0604030504040204" pitchFamily="34" charset="-120"/>
+                <a:ea typeface="微軟正黑體" panose="020B0604030504040204" pitchFamily="34" charset="-120"/>
+              </a:rPr>
+              <a:t>）</a:t>
+            </a:r>
+          </a:p>
+        </p:txBody>
+      </p:sp>
+      <p:sp>
+        <p:nvSpPr>
+          <p:cNvPr id="5" name="內容版面配置區 4">
+            <a:extLst>
+              <a:ext uri="{FF2B5EF4-FFF2-40B4-BE49-F238E27FC236}">
+                <a16:creationId xmlns:a16="http://schemas.microsoft.com/office/drawing/2014/main" id="{6E0B32DB-5057-9F4F-9670-073195DD147E}"/>
+              </a:ext>
+            </a:extLst>
+          </p:cNvPr>
+          <p:cNvSpPr>
+            <a:spLocks noGrp="1"/>
+          </p:cNvSpPr>
+          <p:nvPr>
+            <p:ph idx="1"/>
+          </p:nvPr>
         </p:nvSpPr>
         <p:spPr>
           <a:xfrm>
-            <a:off x="2664939" y="5435431"/>
-            <a:ext cx="3814121" cy="369332"/>
+            <a:off x="251520" y="908720"/>
+            <a:ext cx="8640960" cy="5052219"/>
+          </a:xfrm>
+        </p:spPr>
+        <p:txBody>
+          <a:bodyPr/>
+          <a:lstStyle/>
+          <a:p>
+            <a:pPr marL="0" indent="0" algn="ctr">
+              <a:lnSpc>
+                <a:spcPct val="150000"/>
+              </a:lnSpc>
+              <a:buNone/>
+            </a:pPr>
+            <a:r>
+              <a:rPr lang="en-US" altLang="zh-TW" sz="2200" dirty="0" err="1">
+                <a:solidFill>
+                  <a:srgbClr val="0070C0"/>
+                </a:solidFill>
+                <a:latin typeface="Menlo" panose="020B0609030804020204" pitchFamily="49" charset="0"/>
+                <a:ea typeface="Menlo" panose="020B0609030804020204" pitchFamily="49" charset="0"/>
+                <a:cs typeface="Menlo" panose="020B0609030804020204" pitchFamily="49" charset="0"/>
+              </a:rPr>
+              <a:t>document.createElement</a:t>
+            </a:r>
+            <a:r>
+              <a:rPr lang="en-US" altLang="zh-TW" sz="2200" dirty="0">
+                <a:solidFill>
+                  <a:srgbClr val="0070C0"/>
+                </a:solidFill>
+                <a:latin typeface="Menlo" panose="020B0609030804020204" pitchFamily="49" charset="0"/>
+                <a:ea typeface="Menlo" panose="020B0609030804020204" pitchFamily="49" charset="0"/>
+                <a:cs typeface="Menlo" panose="020B0609030804020204" pitchFamily="49" charset="0"/>
+              </a:rPr>
+              <a:t>("</a:t>
+            </a:r>
+            <a:r>
+              <a:rPr lang="en-US" altLang="zh-TW" sz="2200" dirty="0">
+                <a:solidFill>
+                  <a:srgbClr val="FF0000"/>
+                </a:solidFill>
+                <a:latin typeface="Menlo" panose="020B0609030804020204" pitchFamily="49" charset="0"/>
+                <a:ea typeface="Menlo" panose="020B0609030804020204" pitchFamily="49" charset="0"/>
+                <a:cs typeface="Menlo" panose="020B0609030804020204" pitchFamily="49" charset="0"/>
+              </a:rPr>
+              <a:t>HTML</a:t>
+            </a:r>
+            <a:r>
+              <a:rPr lang="zh-TW" altLang="en-US" sz="2200" dirty="0">
+                <a:solidFill>
+                  <a:srgbClr val="FF0000"/>
+                </a:solidFill>
+                <a:latin typeface="Menlo" panose="020B0609030804020204" pitchFamily="49" charset="0"/>
+                <a:ea typeface="Menlo" panose="020B0609030804020204" pitchFamily="49" charset="0"/>
+                <a:cs typeface="Menlo" panose="020B0609030804020204" pitchFamily="49" charset="0"/>
+              </a:rPr>
+              <a:t>元素</a:t>
+            </a:r>
+            <a:r>
+              <a:rPr lang="en-US" altLang="zh-TW" sz="2200" dirty="0">
+                <a:solidFill>
+                  <a:srgbClr val="0070C0"/>
+                </a:solidFill>
+                <a:latin typeface="Menlo" panose="020B0609030804020204" pitchFamily="49" charset="0"/>
+                <a:ea typeface="Menlo" panose="020B0609030804020204" pitchFamily="49" charset="0"/>
+                <a:cs typeface="Menlo" panose="020B0609030804020204" pitchFamily="49" charset="0"/>
+              </a:rPr>
+              <a:t>")</a:t>
+            </a:r>
+          </a:p>
+          <a:p>
+            <a:pPr marL="0" indent="0" algn="ctr">
+              <a:lnSpc>
+                <a:spcPct val="150000"/>
+              </a:lnSpc>
+              <a:buNone/>
+            </a:pPr>
+            <a:r>
+              <a:rPr lang="en-US" altLang="zh-TW" sz="2200" dirty="0" err="1">
+                <a:solidFill>
+                  <a:srgbClr val="0070C0"/>
+                </a:solidFill>
+                <a:latin typeface="Menlo" panose="020B0609030804020204" pitchFamily="49" charset="0"/>
+                <a:ea typeface="Menlo" panose="020B0609030804020204" pitchFamily="49" charset="0"/>
+                <a:cs typeface="Menlo" panose="020B0609030804020204" pitchFamily="49" charset="0"/>
+              </a:rPr>
+              <a:t>node.appendChild</a:t>
+            </a:r>
+            <a:r>
+              <a:rPr lang="en-US" altLang="zh-TW" sz="2200" dirty="0">
+                <a:solidFill>
+                  <a:srgbClr val="0070C0"/>
+                </a:solidFill>
+                <a:latin typeface="Menlo" panose="020B0609030804020204" pitchFamily="49" charset="0"/>
+                <a:ea typeface="Menlo" panose="020B0609030804020204" pitchFamily="49" charset="0"/>
+                <a:cs typeface="Menlo" panose="020B0609030804020204" pitchFamily="49" charset="0"/>
+              </a:rPr>
+              <a:t>(node); // </a:t>
+            </a:r>
+            <a:r>
+              <a:rPr lang="zh-TW" altLang="en-US" sz="2200" dirty="0">
+                <a:solidFill>
+                  <a:srgbClr val="0070C0"/>
+                </a:solidFill>
+                <a:latin typeface="Menlo" panose="020B0609030804020204" pitchFamily="49" charset="0"/>
+                <a:ea typeface="Menlo" panose="020B0609030804020204" pitchFamily="49" charset="0"/>
+                <a:cs typeface="Menlo" panose="020B0609030804020204" pitchFamily="49" charset="0"/>
+              </a:rPr>
+              <a:t>新增到目標父節點的子節點</a:t>
+            </a:r>
+            <a:endParaRPr lang="en-US" altLang="zh-TW" sz="2200" dirty="0">
+              <a:solidFill>
+                <a:schemeClr val="accent2"/>
+              </a:solidFill>
+              <a:latin typeface="Menlo" panose="020B0609030804020204" pitchFamily="49" charset="0"/>
+              <a:ea typeface="Menlo" panose="020B0609030804020204" pitchFamily="49" charset="0"/>
+              <a:cs typeface="Menlo" panose="020B0609030804020204" pitchFamily="49" charset="0"/>
+            </a:endParaRPr>
+          </a:p>
+        </p:txBody>
+      </p:sp>
+      <p:pic>
+        <p:nvPicPr>
+          <p:cNvPr id="8" name="圖片 7">
+            <a:extLst>
+              <a:ext uri="{FF2B5EF4-FFF2-40B4-BE49-F238E27FC236}">
+                <a16:creationId xmlns:a16="http://schemas.microsoft.com/office/drawing/2014/main" id="{24AAD823-31BF-5241-B84D-57285A3EFCBB}"/>
+              </a:ext>
+            </a:extLst>
+          </p:cNvPr>
+          <p:cNvPicPr>
+            <a:picLocks noChangeAspect="1"/>
+          </p:cNvPicPr>
+          <p:nvPr/>
+        </p:nvPicPr>
+        <p:blipFill>
+          <a:blip r:embed="rId3">
+            <a:extLst>
+              <a:ext uri="{28A0092B-C50C-407E-A947-70E740481C1C}">
+                <a14:useLocalDpi xmlns:a14="http://schemas.microsoft.com/office/drawing/2010/main" val="0"/>
+              </a:ext>
+            </a:extLst>
+          </a:blip>
+          <a:stretch>
+            <a:fillRect/>
+          </a:stretch>
+        </p:blipFill>
+        <p:spPr>
+          <a:xfrm>
+            <a:off x="1936750" y="2276872"/>
+            <a:ext cx="5270500" cy="1905000"/>
           </a:xfrm>
           <a:prstGeom prst="rect">
             <a:avLst/>
           </a:prstGeom>
         </p:spPr>
-        <p:txBody>
-          <a:bodyPr wrap="none">
-            <a:spAutoFit/>
-          </a:bodyPr>
-          <a:lstStyle/>
-          <a:p>
-            <a:r>
-              <a:rPr lang="zh-TW" altLang="en-US" dirty="0">
-                <a:hlinkClick r:id="rId3"/>
-              </a:rPr>
-              <a:t>https://forms.gle/NdrrW86jgbSJaeYQ7</a:t>
-            </a:r>
-            <a:endParaRPr lang="zh-TW" altLang="en-US" dirty="0"/>
-          </a:p>
-        </p:txBody>
-      </p:sp>
+      </p:pic>
       <p:pic>
         <p:nvPicPr>
-          <p:cNvPr id="4098" name="Picture 2" descr="http://s04.calm9.com/qrcode/2019-10/TCTZTH0BG2.png"/>
+          <p:cNvPr id="10" name="圖片 9" descr="一張含有 文字 的圖片&#10;&#10;自動產生的描述">
+            <a:extLst>
+              <a:ext uri="{FF2B5EF4-FFF2-40B4-BE49-F238E27FC236}">
+                <a16:creationId xmlns:a16="http://schemas.microsoft.com/office/drawing/2014/main" id="{024C839B-6368-2049-81B4-A8C962E91D93}"/>
+              </a:ext>
+            </a:extLst>
+          </p:cNvPr>
           <p:cNvPicPr>
-            <a:picLocks noGrp="1" noChangeAspect="1" noChangeArrowheads="1"/>
+            <a:picLocks noChangeAspect="1"/>
           </p:cNvPicPr>
-          <p:nvPr>
-            <p:ph idx="1"/>
-          </p:nvPr>
+          <p:nvPr/>
         </p:nvPicPr>
         <p:blipFill>
           <a:blip r:embed="rId4">
@@ -8442,38 +9207,24 @@
               </a:ext>
             </a:extLst>
           </a:blip>
-          <a:srcRect/>
           <a:stretch>
             <a:fillRect/>
           </a:stretch>
         </p:blipFill>
-        <p:spPr bwMode="auto">
+        <p:spPr>
           <a:xfrm>
-            <a:off x="2339751" y="995933"/>
-            <a:ext cx="4464498" cy="4464498"/>
+            <a:off x="732247" y="4382466"/>
+            <a:ext cx="7679506" cy="1650480"/>
           </a:xfrm>
           <a:prstGeom prst="rect">
             <a:avLst/>
           </a:prstGeom>
-          <a:noFill/>
-          <a:effectLst>
-            <a:softEdge rad="127000"/>
-          </a:effectLst>
-          <a:extLst>
-            <a:ext uri="{909E8E84-426E-40DD-AFC4-6F175D3DCCD1}">
-              <a14:hiddenFill xmlns:a14="http://schemas.microsoft.com/office/drawing/2010/main">
-                <a:solidFill>
-                  <a:srgbClr val="FFFFFF"/>
-                </a:solidFill>
-              </a14:hiddenFill>
-            </a:ext>
-          </a:extLst>
         </p:spPr>
       </p:pic>
     </p:spTree>
     <p:extLst>
       <p:ext uri="{BB962C8B-B14F-4D97-AF65-F5344CB8AC3E}">
-        <p14:creationId xmlns:p14="http://schemas.microsoft.com/office/powerpoint/2010/main" val="379571826"/>
+        <p14:creationId xmlns:p14="http://schemas.microsoft.com/office/powerpoint/2010/main" val="201092627"/>
       </p:ext>
     </p:extLst>
   </p:cSld>

--- a/教學簡報/JavaScript - 2.pptx
+++ b/教學簡報/JavaScript - 2.pptx
@@ -6003,7 +6003,7 @@
         <p:spPr>
           <a:xfrm>
             <a:off x="2664939" y="5435431"/>
-            <a:ext cx="3814121" cy="369332"/>
+            <a:ext cx="3920047" cy="369332"/>
           </a:xfrm>
           <a:prstGeom prst="rect">
             <a:avLst/>
@@ -6016,10 +6016,10 @@
           <a:lstStyle/>
           <a:p>
             <a:r>
-              <a:rPr lang="zh-TW" altLang="en-US" dirty="0">
+              <a:rPr lang="en" altLang="zh-TW" dirty="0">
                 <a:hlinkClick r:id="rId3"/>
               </a:rPr>
-              <a:t>https://forms.gle/NdrrW86jgbSJaeYQ7</a:t>
+              <a:t>https://forms.gle/qUBnH1CTrEDcuD5Y7</a:t>
             </a:r>
             <a:endParaRPr lang="zh-TW" altLang="en-US" dirty="0"/>
           </a:p>
@@ -6027,13 +6027,17 @@
       </p:sp>
       <p:pic>
         <p:nvPicPr>
-          <p:cNvPr id="4098" name="Picture 2" descr="http://s04.calm9.com/qrcode/2019-10/TCTZTH0BG2.png"/>
+          <p:cNvPr id="5" name="圖片 4">
+            <a:extLst>
+              <a:ext uri="{FF2B5EF4-FFF2-40B4-BE49-F238E27FC236}">
+                <a16:creationId xmlns:a16="http://schemas.microsoft.com/office/drawing/2014/main" id="{63E029CA-2742-8646-862C-8F523092AEBF}"/>
+              </a:ext>
+            </a:extLst>
+          </p:cNvPr>
           <p:cNvPicPr>
-            <a:picLocks noGrp="1" noChangeAspect="1" noChangeArrowheads="1"/>
+            <a:picLocks noChangeAspect="1"/>
           </p:cNvPicPr>
-          <p:nvPr>
-            <p:ph idx="1"/>
-          </p:nvPr>
+          <p:nvPr/>
         </p:nvPicPr>
         <p:blipFill>
           <a:blip r:embed="rId4">
@@ -6043,32 +6047,18 @@
               </a:ext>
             </a:extLst>
           </a:blip>
-          <a:srcRect/>
           <a:stretch>
             <a:fillRect/>
           </a:stretch>
         </p:blipFill>
-        <p:spPr bwMode="auto">
+        <p:spPr>
           <a:xfrm>
-            <a:off x="2339751" y="995933"/>
-            <a:ext cx="4464498" cy="4464498"/>
+            <a:off x="2353082" y="998748"/>
+            <a:ext cx="4437835" cy="4437835"/>
           </a:xfrm>
           <a:prstGeom prst="rect">
             <a:avLst/>
           </a:prstGeom>
-          <a:noFill/>
-          <a:effectLst>
-            <a:softEdge rad="127000"/>
-          </a:effectLst>
-          <a:extLst>
-            <a:ext uri="{909E8E84-426E-40DD-AFC4-6F175D3DCCD1}">
-              <a14:hiddenFill xmlns:a14="http://schemas.microsoft.com/office/drawing/2010/main">
-                <a:solidFill>
-                  <a:srgbClr val="FFFFFF"/>
-                </a:solidFill>
-              </a14:hiddenFill>
-            </a:ext>
-          </a:extLst>
         </p:spPr>
       </p:pic>
     </p:spTree>

--- a/教學簡報/JavaScript - 2.pptx
+++ b/教學簡報/JavaScript - 2.pptx
@@ -250,7 +250,7 @@
             <a:fld id="{A5DCF4EA-E40D-43F8-B4CB-7F82BC812DB7}" type="datetimeFigureOut">
               <a:rPr lang="zh-TW" altLang="en-US" smtClean="0"/>
               <a:pPr/>
-              <a:t>2020/10/27</a:t>
+              <a:t>2020/10/28</a:t>
             </a:fld>
             <a:endParaRPr lang="zh-TW" altLang="en-US" dirty="0"/>
           </a:p>
@@ -1280,6 +1280,274 @@
           <a:bodyPr/>
           <a:lstStyle/>
           <a:p>
+            <a:r>
+              <a:rPr lang="en-US" altLang="zh-TW" dirty="0"/>
+              <a:t>Event</a:t>
+            </a:r>
+            <a:r>
+              <a:rPr lang="zh-TW" altLang="en-US" dirty="0"/>
+              <a:t>（事件）：</a:t>
+            </a:r>
+            <a:r>
+              <a:rPr lang="en-US" altLang="zh-TW" dirty="0"/>
+              <a:t>blur</a:t>
+            </a:r>
+            <a:r>
+              <a:rPr lang="zh-TW" altLang="en-US" dirty="0"/>
+              <a:t>、</a:t>
+            </a:r>
+            <a:r>
+              <a:rPr lang="en-US" altLang="zh-TW" dirty="0"/>
+              <a:t>focus</a:t>
+            </a:r>
+            <a:r>
+              <a:rPr lang="zh-TW" altLang="en-US" dirty="0"/>
+              <a:t>、</a:t>
+            </a:r>
+            <a:r>
+              <a:rPr lang="en-US" altLang="zh-TW" dirty="0"/>
+              <a:t>change</a:t>
+            </a:r>
+            <a:r>
+              <a:rPr lang="zh-TW" altLang="en-US" dirty="0"/>
+              <a:t>、</a:t>
+            </a:r>
+            <a:r>
+              <a:rPr lang="en" altLang="zh-TW" sz="1200" b="0" i="0" u="none" strike="noStrike" kern="1200" dirty="0">
+                <a:solidFill>
+                  <a:schemeClr val="tx1"/>
+                </a:solidFill>
+                <a:effectLst/>
+                <a:latin typeface="+mn-lt"/>
+                <a:ea typeface="微軟正黑體" panose="020B0604030504040204" pitchFamily="34" charset="-120"/>
+                <a:cs typeface="+mn-cs"/>
+              </a:rPr>
+              <a:t>mouseover</a:t>
+            </a:r>
+            <a:r>
+              <a:rPr lang="zh-TW" altLang="en-US" dirty="0"/>
+              <a:t>、</a:t>
+            </a:r>
+            <a:r>
+              <a:rPr lang="en" altLang="zh-TW" sz="1200" b="0" i="0" u="none" strike="noStrike" kern="1200" dirty="0" err="1">
+                <a:solidFill>
+                  <a:schemeClr val="tx1"/>
+                </a:solidFill>
+                <a:effectLst/>
+                <a:latin typeface="+mn-lt"/>
+                <a:ea typeface="微軟正黑體" panose="020B0604030504040204" pitchFamily="34" charset="-120"/>
+                <a:cs typeface="+mn-cs"/>
+              </a:rPr>
+              <a:t>mouseout</a:t>
+            </a:r>
+            <a:r>
+              <a:rPr lang="zh-TW" altLang="en-US" dirty="0"/>
+              <a:t>、</a:t>
+            </a:r>
+            <a:r>
+              <a:rPr lang="en" altLang="zh-TW" sz="1200" b="0" i="0" u="none" strike="noStrike" kern="1200" dirty="0" err="1">
+                <a:solidFill>
+                  <a:schemeClr val="tx1"/>
+                </a:solidFill>
+                <a:effectLst/>
+                <a:latin typeface="+mn-lt"/>
+                <a:ea typeface="微軟正黑體" panose="020B0604030504040204" pitchFamily="34" charset="-120"/>
+                <a:cs typeface="+mn-cs"/>
+              </a:rPr>
+              <a:t>mousemove</a:t>
+            </a:r>
+            <a:r>
+              <a:rPr lang="zh-TW" altLang="en-US" dirty="0"/>
+              <a:t>、</a:t>
+            </a:r>
+            <a:r>
+              <a:rPr lang="en" altLang="zh-TW" sz="1200" b="0" i="0" u="none" strike="noStrike" kern="1200" dirty="0" err="1">
+                <a:solidFill>
+                  <a:schemeClr val="tx1"/>
+                </a:solidFill>
+                <a:effectLst/>
+                <a:latin typeface="+mn-lt"/>
+                <a:ea typeface="微軟正黑體" panose="020B0604030504040204" pitchFamily="34" charset="-120"/>
+                <a:cs typeface="+mn-cs"/>
+              </a:rPr>
+              <a:t>mousedown</a:t>
+            </a:r>
+            <a:r>
+              <a:rPr lang="zh-TW" altLang="en-US" dirty="0"/>
+              <a:t>、</a:t>
+            </a:r>
+            <a:r>
+              <a:rPr lang="en" altLang="zh-TW" sz="1200" b="0" i="0" u="none" strike="noStrike" kern="1200" dirty="0" err="1">
+                <a:solidFill>
+                  <a:schemeClr val="tx1"/>
+                </a:solidFill>
+                <a:effectLst/>
+                <a:latin typeface="+mn-lt"/>
+                <a:ea typeface="微軟正黑體" panose="020B0604030504040204" pitchFamily="34" charset="-120"/>
+                <a:cs typeface="+mn-cs"/>
+              </a:rPr>
+              <a:t>mouseup</a:t>
+            </a:r>
+            <a:r>
+              <a:rPr lang="zh-TW" altLang="en-US" dirty="0"/>
+              <a:t>、</a:t>
+            </a:r>
+            <a:r>
+              <a:rPr lang="en" altLang="zh-TW" sz="1200" b="0" i="0" u="none" strike="noStrike" kern="1200" dirty="0">
+                <a:solidFill>
+                  <a:schemeClr val="tx1"/>
+                </a:solidFill>
+                <a:effectLst/>
+                <a:latin typeface="+mn-lt"/>
+                <a:ea typeface="微軟正黑體" panose="020B0604030504040204" pitchFamily="34" charset="-120"/>
+                <a:cs typeface="+mn-cs"/>
+              </a:rPr>
+              <a:t>click</a:t>
+            </a:r>
+            <a:r>
+              <a:rPr lang="zh-TW" altLang="en-US" dirty="0"/>
+              <a:t>、</a:t>
+            </a:r>
+            <a:r>
+              <a:rPr lang="en" altLang="zh-TW" sz="1200" b="0" i="0" u="none" strike="noStrike" kern="1200" dirty="0" err="1">
+                <a:solidFill>
+                  <a:schemeClr val="tx1"/>
+                </a:solidFill>
+                <a:effectLst/>
+                <a:latin typeface="+mn-lt"/>
+                <a:ea typeface="微軟正黑體" panose="020B0604030504040204" pitchFamily="34" charset="-120"/>
+                <a:cs typeface="+mn-cs"/>
+              </a:rPr>
+              <a:t>dblclick</a:t>
+            </a:r>
+            <a:r>
+              <a:rPr lang="zh-TW" altLang="en-US" dirty="0"/>
+              <a:t>、</a:t>
+            </a:r>
+            <a:r>
+              <a:rPr lang="en" altLang="zh-TW" sz="1200" b="0" i="0" u="none" strike="noStrike" kern="1200" dirty="0" err="1">
+                <a:solidFill>
+                  <a:schemeClr val="tx1"/>
+                </a:solidFill>
+                <a:effectLst/>
+                <a:latin typeface="+mn-lt"/>
+                <a:ea typeface="微軟正黑體" panose="020B0604030504040204" pitchFamily="34" charset="-120"/>
+                <a:cs typeface="+mn-cs"/>
+              </a:rPr>
+              <a:t>keydown</a:t>
+            </a:r>
+            <a:r>
+              <a:rPr lang="zh-TW" altLang="en-US" dirty="0"/>
+              <a:t>、</a:t>
+            </a:r>
+            <a:r>
+              <a:rPr lang="en" altLang="zh-TW" sz="1200" b="0" i="0" u="none" strike="noStrike" kern="1200" dirty="0" err="1">
+                <a:solidFill>
+                  <a:schemeClr val="tx1"/>
+                </a:solidFill>
+                <a:effectLst/>
+                <a:latin typeface="+mn-lt"/>
+                <a:ea typeface="微軟正黑體" panose="020B0604030504040204" pitchFamily="34" charset="-120"/>
+                <a:cs typeface="+mn-cs"/>
+              </a:rPr>
+              <a:t>keyup</a:t>
+            </a:r>
+            <a:r>
+              <a:rPr lang="zh-TW" altLang="en-US" sz="1200" b="0" i="0" u="none" strike="noStrike" kern="1200" dirty="0">
+                <a:solidFill>
+                  <a:schemeClr val="tx1"/>
+                </a:solidFill>
+                <a:effectLst/>
+                <a:latin typeface="+mn-lt"/>
+                <a:ea typeface="微軟正黑體" panose="020B0604030504040204" pitchFamily="34" charset="-120"/>
+                <a:cs typeface="+mn-cs"/>
+              </a:rPr>
+              <a:t>、</a:t>
+            </a:r>
+            <a:r>
+              <a:rPr lang="en" altLang="zh-TW" sz="1200" b="0" i="0" u="none" strike="noStrike" kern="1200" dirty="0">
+                <a:solidFill>
+                  <a:schemeClr val="tx1"/>
+                </a:solidFill>
+                <a:effectLst/>
+                <a:latin typeface="+mn-lt"/>
+                <a:ea typeface="微軟正黑體" panose="020B0604030504040204" pitchFamily="34" charset="-120"/>
+                <a:cs typeface="+mn-cs"/>
+              </a:rPr>
+              <a:t>keypress</a:t>
+            </a:r>
+            <a:r>
+              <a:rPr lang="zh-TW" altLang="en-US" sz="1200" b="0" i="0" u="none" strike="noStrike" kern="1200" dirty="0">
+                <a:solidFill>
+                  <a:schemeClr val="tx1"/>
+                </a:solidFill>
+                <a:effectLst/>
+                <a:latin typeface="+mn-lt"/>
+                <a:ea typeface="微軟正黑體" panose="020B0604030504040204" pitchFamily="34" charset="-120"/>
+                <a:cs typeface="+mn-cs"/>
+              </a:rPr>
+              <a:t>、</a:t>
+            </a:r>
+            <a:r>
+              <a:rPr lang="en" altLang="zh-TW" sz="1200" b="0" i="0" u="none" strike="noStrike" kern="1200" dirty="0">
+                <a:solidFill>
+                  <a:schemeClr val="tx1"/>
+                </a:solidFill>
+                <a:effectLst/>
+                <a:latin typeface="+mn-lt"/>
+                <a:ea typeface="微軟正黑體" panose="020B0604030504040204" pitchFamily="34" charset="-120"/>
+                <a:cs typeface="+mn-cs"/>
+              </a:rPr>
+              <a:t>submit</a:t>
+            </a:r>
+            <a:r>
+              <a:rPr lang="zh-TW" altLang="en-US" sz="1200" b="0" i="0" u="none" strike="noStrike" kern="1200" dirty="0">
+                <a:solidFill>
+                  <a:schemeClr val="tx1"/>
+                </a:solidFill>
+                <a:effectLst/>
+                <a:latin typeface="+mn-lt"/>
+                <a:ea typeface="微軟正黑體" panose="020B0604030504040204" pitchFamily="34" charset="-120"/>
+                <a:cs typeface="+mn-cs"/>
+              </a:rPr>
+              <a:t>、</a:t>
+            </a:r>
+            <a:r>
+              <a:rPr lang="en" altLang="zh-TW" sz="1200" b="0" i="0" u="none" strike="noStrike" kern="1200" dirty="0">
+                <a:solidFill>
+                  <a:schemeClr val="tx1"/>
+                </a:solidFill>
+                <a:effectLst/>
+                <a:latin typeface="+mn-lt"/>
+                <a:ea typeface="微軟正黑體" panose="020B0604030504040204" pitchFamily="34" charset="-120"/>
+                <a:cs typeface="+mn-cs"/>
+              </a:rPr>
+              <a:t>load</a:t>
+            </a:r>
+            <a:r>
+              <a:rPr lang="zh-TW" altLang="en-US" sz="1200" b="0" i="0" u="none" strike="noStrike" kern="1200" dirty="0">
+                <a:solidFill>
+                  <a:schemeClr val="tx1"/>
+                </a:solidFill>
+                <a:effectLst/>
+                <a:latin typeface="+mn-lt"/>
+                <a:ea typeface="微軟正黑體" panose="020B0604030504040204" pitchFamily="34" charset="-120"/>
+                <a:cs typeface="+mn-cs"/>
+              </a:rPr>
+              <a:t>、</a:t>
+            </a:r>
+            <a:r>
+              <a:rPr lang="en" altLang="zh-TW" sz="1200" b="0" i="0" u="none" strike="noStrike" kern="1200" dirty="0">
+                <a:solidFill>
+                  <a:schemeClr val="tx1"/>
+                </a:solidFill>
+                <a:effectLst/>
+                <a:latin typeface="+mn-lt"/>
+                <a:ea typeface="微軟正黑體" panose="020B0604030504040204" pitchFamily="34" charset="-120"/>
+                <a:cs typeface="+mn-cs"/>
+              </a:rPr>
+              <a:t>unload</a:t>
+            </a:r>
             <a:endParaRPr lang="zh-TW" altLang="en-US" dirty="0"/>
           </a:p>
         </p:txBody>
@@ -1619,7 +1887,7 @@
           <a:p>
             <a:fld id="{3D8CBC75-8284-403E-92F0-16B75D676E39}" type="datetimeFigureOut">
               <a:rPr lang="zh-TW" altLang="en-US" smtClean="0"/>
-              <a:t>2020/10/27</a:t>
+              <a:t>2020/10/28</a:t>
             </a:fld>
             <a:endParaRPr lang="zh-TW" altLang="en-US"/>
           </a:p>
@@ -1747,7 +2015,7 @@
           <a:p>
             <a:fld id="{3D8CBC75-8284-403E-92F0-16B75D676E39}" type="datetimeFigureOut">
               <a:rPr lang="zh-TW" altLang="en-US" smtClean="0"/>
-              <a:t>2020/10/27</a:t>
+              <a:t>2020/10/28</a:t>
             </a:fld>
             <a:endParaRPr lang="zh-TW" altLang="en-US"/>
           </a:p>
@@ -2090,7 +2358,7 @@
           <a:p>
             <a:fld id="{3D8CBC75-8284-403E-92F0-16B75D676E39}" type="datetimeFigureOut">
               <a:rPr lang="zh-TW" altLang="en-US" smtClean="0"/>
-              <a:t>2020/10/27</a:t>
+              <a:t>2020/10/28</a:t>
             </a:fld>
             <a:endParaRPr lang="zh-TW" altLang="en-US"/>
           </a:p>
@@ -2423,7 +2691,7 @@
           <a:p>
             <a:fld id="{3D8CBC75-8284-403E-92F0-16B75D676E39}" type="datetimeFigureOut">
               <a:rPr lang="zh-TW" altLang="en-US" smtClean="0"/>
-              <a:t>2020/10/27</a:t>
+              <a:t>2020/10/28</a:t>
             </a:fld>
             <a:endParaRPr lang="zh-TW" altLang="en-US"/>
           </a:p>
@@ -2792,7 +3060,7 @@
           <a:p>
             <a:fld id="{3D8CBC75-8284-403E-92F0-16B75D676E39}" type="datetimeFigureOut">
               <a:rPr lang="zh-TW" altLang="en-US" smtClean="0"/>
-              <a:t>2020/10/27</a:t>
+              <a:t>2020/10/28</a:t>
             </a:fld>
             <a:endParaRPr lang="zh-TW" altLang="en-US"/>
           </a:p>
@@ -3015,7 +3283,7 @@
           <a:p>
             <a:fld id="{3D8CBC75-8284-403E-92F0-16B75D676E39}" type="datetimeFigureOut">
               <a:rPr lang="zh-TW" altLang="en-US" smtClean="0"/>
-              <a:t>2020/10/27</a:t>
+              <a:t>2020/10/28</a:t>
             </a:fld>
             <a:endParaRPr lang="zh-TW" altLang="en-US"/>
           </a:p>
@@ -3545,7 +3813,7 @@
           <a:p>
             <a:fld id="{3D8CBC75-8284-403E-92F0-16B75D676E39}" type="datetimeFigureOut">
               <a:rPr lang="zh-TW" altLang="en-US" smtClean="0"/>
-              <a:t>2020/10/27</a:t>
+              <a:t>2020/10/28</a:t>
             </a:fld>
             <a:endParaRPr lang="zh-TW" altLang="en-US"/>
           </a:p>
@@ -3826,7 +4094,7 @@
           <a:p>
             <a:fld id="{3D8CBC75-8284-403E-92F0-16B75D676E39}" type="datetimeFigureOut">
               <a:rPr lang="zh-TW" altLang="en-US" smtClean="0"/>
-              <a:t>2020/10/27</a:t>
+              <a:t>2020/10/28</a:t>
             </a:fld>
             <a:endParaRPr lang="zh-TW" altLang="en-US"/>
           </a:p>
@@ -4013,7 +4281,7 @@
           <a:p>
             <a:fld id="{3D8CBC75-8284-403E-92F0-16B75D676E39}" type="datetimeFigureOut">
               <a:rPr lang="zh-TW" altLang="en-US" smtClean="0"/>
-              <a:t>2020/10/27</a:t>
+              <a:t>2020/10/28</a:t>
             </a:fld>
             <a:endParaRPr lang="zh-TW" altLang="en-US"/>
           </a:p>
@@ -4415,7 +4683,7 @@
           <a:p>
             <a:fld id="{3D8CBC75-8284-403E-92F0-16B75D676E39}" type="datetimeFigureOut">
               <a:rPr lang="zh-TW" altLang="en-US" smtClean="0"/>
-              <a:t>2020/10/27</a:t>
+              <a:t>2020/10/28</a:t>
             </a:fld>
             <a:endParaRPr lang="zh-TW" altLang="en-US"/>
           </a:p>
@@ -4835,7 +5103,7 @@
           <a:p>
             <a:fld id="{3D8CBC75-8284-403E-92F0-16B75D676E39}" type="datetimeFigureOut">
               <a:rPr lang="zh-TW" altLang="en-US" smtClean="0"/>
-              <a:t>2020/10/27</a:t>
+              <a:t>2020/10/28</a:t>
             </a:fld>
             <a:endParaRPr lang="zh-TW" altLang="en-US"/>
           </a:p>
@@ -5222,7 +5490,7 @@
             <a:fld id="{3D8CBC75-8284-403E-92F0-16B75D676E39}" type="datetimeFigureOut">
               <a:rPr lang="zh-TW" altLang="en-US" smtClean="0"/>
               <a:pPr/>
-              <a:t>2020/10/27</a:t>
+              <a:t>2020/10/28</a:t>
             </a:fld>
             <a:endParaRPr lang="zh-TW" altLang="en-US" dirty="0"/>
           </a:p>
@@ -9126,7 +9394,7 @@
                 <a:ea typeface="Menlo" panose="020B0609030804020204" pitchFamily="49" charset="0"/>
                 <a:cs typeface="Menlo" panose="020B0609030804020204" pitchFamily="49" charset="0"/>
               </a:rPr>
-              <a:t>新增到目標父節點的子節點</a:t>
+              <a:t>於父節點新增子節點</a:t>
             </a:r>
             <a:endParaRPr lang="en-US" altLang="zh-TW" sz="2200" dirty="0">
               <a:solidFill>
@@ -9177,10 +9445,10 @@
       </p:pic>
       <p:pic>
         <p:nvPicPr>
-          <p:cNvPr id="10" name="圖片 9" descr="一張含有 文字 的圖片&#10;&#10;自動產生的描述">
+          <p:cNvPr id="7" name="圖片 6" descr="一張含有 文字 的圖片&#10;&#10;自動產生的描述">
             <a:extLst>
               <a:ext uri="{FF2B5EF4-FFF2-40B4-BE49-F238E27FC236}">
-                <a16:creationId xmlns:a16="http://schemas.microsoft.com/office/drawing/2014/main" id="{024C839B-6368-2049-81B4-A8C962E91D93}"/>
+                <a16:creationId xmlns:a16="http://schemas.microsoft.com/office/drawing/2014/main" id="{AEC0A94E-2376-FC48-808E-C4566BEF04B9}"/>
               </a:ext>
             </a:extLst>
           </p:cNvPr>
@@ -9203,8 +9471,8 @@
         </p:blipFill>
         <p:spPr>
           <a:xfrm>
-            <a:off x="732247" y="4382466"/>
-            <a:ext cx="7679506" cy="1650480"/>
+            <a:off x="352499" y="4293096"/>
+            <a:ext cx="8439001" cy="1667843"/>
           </a:xfrm>
           <a:prstGeom prst="rect">
             <a:avLst/>
